--- a/A Data Science Approach to Maintaining Water Sources.pptx
+++ b/A Data Science Approach to Maintaining Water Sources.pptx
@@ -14,14 +14,14 @@
     <p:sldId id="258" r:id="rId2"/>
     <p:sldId id="278" r:id="rId3"/>
     <p:sldId id="275" r:id="rId4"/>
-    <p:sldId id="276" r:id="rId5"/>
+    <p:sldId id="288" r:id="rId5"/>
     <p:sldId id="277" r:id="rId6"/>
-    <p:sldId id="269" r:id="rId7"/>
-    <p:sldId id="279" r:id="rId8"/>
-    <p:sldId id="280" r:id="rId9"/>
-    <p:sldId id="281" r:id="rId10"/>
-    <p:sldId id="282" r:id="rId11"/>
-    <p:sldId id="283" r:id="rId12"/>
+    <p:sldId id="276" r:id="rId7"/>
+    <p:sldId id="284" r:id="rId8"/>
+    <p:sldId id="285" r:id="rId9"/>
+    <p:sldId id="286" r:id="rId10"/>
+    <p:sldId id="287" r:id="rId11"/>
+    <p:sldId id="269" r:id="rId12"/>
   </p:sldIdLst>
   <p:sldSz cx="12192000" cy="6858000"/>
   <p:notesSz cx="6858000" cy="9144000"/>
@@ -140,1022 +140,6 @@
     </p:ext>
   </p:extLst>
 </p:presentation>
-</file>
-
-<file path=ppt/charts/chart1.xml><?xml version="1.0" encoding="utf-8"?>
-<c:chartSpace xmlns:c="http://schemas.openxmlformats.org/drawingml/2006/chart" xmlns:a="http://schemas.openxmlformats.org/drawingml/2006/main" xmlns:r="http://schemas.openxmlformats.org/officeDocument/2006/relationships" xmlns:c16r2="http://schemas.microsoft.com/office/drawing/2015/06/chart">
-  <c:date1904 val="0"/>
-  <c:lang val="en-US"/>
-  <c:roundedCorners val="0"/>
-  <mc:AlternateContent xmlns:mc="http://schemas.openxmlformats.org/markup-compatibility/2006">
-    <mc:Choice xmlns:c14="http://schemas.microsoft.com/office/drawing/2007/8/2/chart" Requires="c14">
-      <c14:style val="102"/>
-    </mc:Choice>
-    <mc:Fallback>
-      <c:style val="2"/>
-    </mc:Fallback>
-  </mc:AlternateContent>
-  <c:chart>
-    <c:title>
-      <c:overlay val="0"/>
-      <c:spPr>
-        <a:noFill/>
-        <a:ln>
-          <a:noFill/>
-        </a:ln>
-        <a:effectLst/>
-      </c:spPr>
-      <c:txPr>
-        <a:bodyPr rot="0" spcFirstLastPara="1" vertOverflow="ellipsis" vert="horz" wrap="square" anchor="ctr" anchorCtr="1"/>
-        <a:lstStyle/>
-        <a:p>
-          <a:pPr>
-            <a:defRPr sz="2128" b="1" i="0" u="none" strike="noStrike" kern="1200" baseline="0">
-              <a:solidFill>
-                <a:schemeClr val="tx2"/>
-              </a:solidFill>
-              <a:latin typeface="+mn-lt"/>
-              <a:ea typeface="+mn-ea"/>
-              <a:cs typeface="+mn-cs"/>
-            </a:defRPr>
-          </a:pPr>
-          <a:endParaRPr lang="en-US"/>
-        </a:p>
-      </c:txPr>
-    </c:title>
-    <c:autoTitleDeleted val="0"/>
-    <c:plotArea>
-      <c:layout/>
-      <c:barChart>
-        <c:barDir val="col"/>
-        <c:grouping val="clustered"/>
-        <c:varyColors val="0"/>
-        <c:ser>
-          <c:idx val="0"/>
-          <c:order val="0"/>
-          <c:tx>
-            <c:strRef>
-              <c:f>Sheet1!$B$1</c:f>
-              <c:strCache>
-                <c:ptCount val="1"/>
-                <c:pt idx="0">
-                  <c:v>Series 1</c:v>
-                </c:pt>
-              </c:strCache>
-            </c:strRef>
-          </c:tx>
-          <c:spPr>
-            <a:gradFill rotWithShape="1">
-              <a:gsLst>
-                <a:gs pos="0">
-                  <a:schemeClr val="accent1">
-                    <a:satMod val="103000"/>
-                    <a:lumMod val="102000"/>
-                    <a:tint val="94000"/>
-                  </a:schemeClr>
-                </a:gs>
-                <a:gs pos="50000">
-                  <a:schemeClr val="accent1">
-                    <a:satMod val="110000"/>
-                    <a:lumMod val="100000"/>
-                    <a:shade val="100000"/>
-                  </a:schemeClr>
-                </a:gs>
-                <a:gs pos="100000">
-                  <a:schemeClr val="accent1">
-                    <a:lumMod val="99000"/>
-                    <a:satMod val="120000"/>
-                    <a:shade val="78000"/>
-                  </a:schemeClr>
-                </a:gs>
-              </a:gsLst>
-              <a:lin ang="5400000" scaled="0"/>
-            </a:gradFill>
-            <a:ln>
-              <a:noFill/>
-            </a:ln>
-            <a:effectLst/>
-          </c:spPr>
-          <c:invertIfNegative val="0"/>
-          <c:cat>
-            <c:strRef>
-              <c:f>Sheet1!$A$2:$A$5</c:f>
-              <c:strCache>
-                <c:ptCount val="4"/>
-                <c:pt idx="0">
-                  <c:v>Category 1</c:v>
-                </c:pt>
-                <c:pt idx="1">
-                  <c:v>Category 2</c:v>
-                </c:pt>
-                <c:pt idx="2">
-                  <c:v>Category 3</c:v>
-                </c:pt>
-                <c:pt idx="3">
-                  <c:v>Category 4</c:v>
-                </c:pt>
-              </c:strCache>
-            </c:strRef>
-          </c:cat>
-          <c:val>
-            <c:numRef>
-              <c:f>Sheet1!$B$2:$B$5</c:f>
-              <c:numCache>
-                <c:formatCode>General</c:formatCode>
-                <c:ptCount val="4"/>
-                <c:pt idx="0">
-                  <c:v>4.3</c:v>
-                </c:pt>
-                <c:pt idx="1">
-                  <c:v>2.5</c:v>
-                </c:pt>
-                <c:pt idx="2">
-                  <c:v>3.5</c:v>
-                </c:pt>
-                <c:pt idx="3">
-                  <c:v>4.5</c:v>
-                </c:pt>
-              </c:numCache>
-            </c:numRef>
-          </c:val>
-          <c:extLst>
-            <c:ext xmlns:c16="http://schemas.microsoft.com/office/drawing/2014/chart" uri="{C3380CC4-5D6E-409C-BE32-E72D297353CC}">
-              <c16:uniqueId val="{00000000-73ED-40BF-8975-B70B75BD40CF}"/>
-            </c:ext>
-          </c:extLst>
-        </c:ser>
-        <c:ser>
-          <c:idx val="1"/>
-          <c:order val="1"/>
-          <c:tx>
-            <c:strRef>
-              <c:f>Sheet1!$C$1</c:f>
-              <c:strCache>
-                <c:ptCount val="1"/>
-                <c:pt idx="0">
-                  <c:v>Series 2</c:v>
-                </c:pt>
-              </c:strCache>
-            </c:strRef>
-          </c:tx>
-          <c:spPr>
-            <a:gradFill rotWithShape="1">
-              <a:gsLst>
-                <a:gs pos="0">
-                  <a:schemeClr val="accent2">
-                    <a:satMod val="103000"/>
-                    <a:lumMod val="102000"/>
-                    <a:tint val="94000"/>
-                  </a:schemeClr>
-                </a:gs>
-                <a:gs pos="50000">
-                  <a:schemeClr val="accent2">
-                    <a:satMod val="110000"/>
-                    <a:lumMod val="100000"/>
-                    <a:shade val="100000"/>
-                  </a:schemeClr>
-                </a:gs>
-                <a:gs pos="100000">
-                  <a:schemeClr val="accent2">
-                    <a:lumMod val="99000"/>
-                    <a:satMod val="120000"/>
-                    <a:shade val="78000"/>
-                  </a:schemeClr>
-                </a:gs>
-              </a:gsLst>
-              <a:lin ang="5400000" scaled="0"/>
-            </a:gradFill>
-            <a:ln>
-              <a:noFill/>
-            </a:ln>
-            <a:effectLst/>
-          </c:spPr>
-          <c:invertIfNegative val="0"/>
-          <c:cat>
-            <c:strRef>
-              <c:f>Sheet1!$A$2:$A$5</c:f>
-              <c:strCache>
-                <c:ptCount val="4"/>
-                <c:pt idx="0">
-                  <c:v>Category 1</c:v>
-                </c:pt>
-                <c:pt idx="1">
-                  <c:v>Category 2</c:v>
-                </c:pt>
-                <c:pt idx="2">
-                  <c:v>Category 3</c:v>
-                </c:pt>
-                <c:pt idx="3">
-                  <c:v>Category 4</c:v>
-                </c:pt>
-              </c:strCache>
-            </c:strRef>
-          </c:cat>
-          <c:val>
-            <c:numRef>
-              <c:f>Sheet1!$C$2:$C$5</c:f>
-              <c:numCache>
-                <c:formatCode>General</c:formatCode>
-                <c:ptCount val="4"/>
-                <c:pt idx="0">
-                  <c:v>2.4</c:v>
-                </c:pt>
-                <c:pt idx="1">
-                  <c:v>4.4000000000000004</c:v>
-                </c:pt>
-                <c:pt idx="2">
-                  <c:v>1.8</c:v>
-                </c:pt>
-                <c:pt idx="3">
-                  <c:v>2.8</c:v>
-                </c:pt>
-              </c:numCache>
-            </c:numRef>
-          </c:val>
-          <c:extLst>
-            <c:ext xmlns:c16="http://schemas.microsoft.com/office/drawing/2014/chart" uri="{C3380CC4-5D6E-409C-BE32-E72D297353CC}">
-              <c16:uniqueId val="{00000001-73ED-40BF-8975-B70B75BD40CF}"/>
-            </c:ext>
-          </c:extLst>
-        </c:ser>
-        <c:ser>
-          <c:idx val="2"/>
-          <c:order val="2"/>
-          <c:tx>
-            <c:strRef>
-              <c:f>Sheet1!$D$1</c:f>
-              <c:strCache>
-                <c:ptCount val="1"/>
-                <c:pt idx="0">
-                  <c:v>Series 3</c:v>
-                </c:pt>
-              </c:strCache>
-            </c:strRef>
-          </c:tx>
-          <c:spPr>
-            <a:gradFill rotWithShape="1">
-              <a:gsLst>
-                <a:gs pos="0">
-                  <a:schemeClr val="accent3">
-                    <a:satMod val="103000"/>
-                    <a:lumMod val="102000"/>
-                    <a:tint val="94000"/>
-                  </a:schemeClr>
-                </a:gs>
-                <a:gs pos="50000">
-                  <a:schemeClr val="accent3">
-                    <a:satMod val="110000"/>
-                    <a:lumMod val="100000"/>
-                    <a:shade val="100000"/>
-                  </a:schemeClr>
-                </a:gs>
-                <a:gs pos="100000">
-                  <a:schemeClr val="accent3">
-                    <a:lumMod val="99000"/>
-                    <a:satMod val="120000"/>
-                    <a:shade val="78000"/>
-                  </a:schemeClr>
-                </a:gs>
-              </a:gsLst>
-              <a:lin ang="5400000" scaled="0"/>
-            </a:gradFill>
-            <a:ln>
-              <a:noFill/>
-            </a:ln>
-            <a:effectLst/>
-          </c:spPr>
-          <c:invertIfNegative val="0"/>
-          <c:cat>
-            <c:strRef>
-              <c:f>Sheet1!$A$2:$A$5</c:f>
-              <c:strCache>
-                <c:ptCount val="4"/>
-                <c:pt idx="0">
-                  <c:v>Category 1</c:v>
-                </c:pt>
-                <c:pt idx="1">
-                  <c:v>Category 2</c:v>
-                </c:pt>
-                <c:pt idx="2">
-                  <c:v>Category 3</c:v>
-                </c:pt>
-                <c:pt idx="3">
-                  <c:v>Category 4</c:v>
-                </c:pt>
-              </c:strCache>
-            </c:strRef>
-          </c:cat>
-          <c:val>
-            <c:numRef>
-              <c:f>Sheet1!$D$2:$D$5</c:f>
-              <c:numCache>
-                <c:formatCode>General</c:formatCode>
-                <c:ptCount val="4"/>
-                <c:pt idx="0">
-                  <c:v>2</c:v>
-                </c:pt>
-                <c:pt idx="1">
-                  <c:v>2</c:v>
-                </c:pt>
-                <c:pt idx="2">
-                  <c:v>3</c:v>
-                </c:pt>
-                <c:pt idx="3">
-                  <c:v>5</c:v>
-                </c:pt>
-              </c:numCache>
-            </c:numRef>
-          </c:val>
-          <c:extLst>
-            <c:ext xmlns:c16="http://schemas.microsoft.com/office/drawing/2014/chart" uri="{C3380CC4-5D6E-409C-BE32-E72D297353CC}">
-              <c16:uniqueId val="{00000002-73ED-40BF-8975-B70B75BD40CF}"/>
-            </c:ext>
-          </c:extLst>
-        </c:ser>
-        <c:dLbls>
-          <c:showLegendKey val="0"/>
-          <c:showVal val="0"/>
-          <c:showCatName val="0"/>
-          <c:showSerName val="0"/>
-          <c:showPercent val="0"/>
-          <c:showBubbleSize val="0"/>
-        </c:dLbls>
-        <c:gapWidth val="100"/>
-        <c:overlap val="-24"/>
-        <c:axId val="567294296"/>
-        <c:axId val="567294688"/>
-      </c:barChart>
-      <c:catAx>
-        <c:axId val="567294296"/>
-        <c:scaling>
-          <c:orientation val="minMax"/>
-        </c:scaling>
-        <c:delete val="0"/>
-        <c:axPos val="b"/>
-        <c:numFmt formatCode="General" sourceLinked="1"/>
-        <c:majorTickMark val="none"/>
-        <c:minorTickMark val="none"/>
-        <c:tickLblPos val="nextTo"/>
-        <c:spPr>
-          <a:noFill/>
-          <a:ln w="9525" cap="flat" cmpd="sng" algn="ctr">
-            <a:solidFill>
-              <a:schemeClr val="tx2">
-                <a:lumMod val="15000"/>
-                <a:lumOff val="85000"/>
-              </a:schemeClr>
-            </a:solidFill>
-            <a:round/>
-          </a:ln>
-          <a:effectLst/>
-        </c:spPr>
-        <c:txPr>
-          <a:bodyPr rot="-60000000" spcFirstLastPara="1" vertOverflow="ellipsis" vert="horz" wrap="square" anchor="ctr" anchorCtr="1"/>
-          <a:lstStyle/>
-          <a:p>
-            <a:pPr>
-              <a:defRPr sz="1197" b="0" i="0" u="none" strike="noStrike" kern="1200" baseline="0">
-                <a:solidFill>
-                  <a:schemeClr val="tx2"/>
-                </a:solidFill>
-                <a:latin typeface="+mn-lt"/>
-                <a:ea typeface="+mn-ea"/>
-                <a:cs typeface="+mn-cs"/>
-              </a:defRPr>
-            </a:pPr>
-            <a:endParaRPr lang="en-US"/>
-          </a:p>
-        </c:txPr>
-        <c:crossAx val="567294688"/>
-        <c:crosses val="autoZero"/>
-        <c:auto val="1"/>
-        <c:lblAlgn val="ctr"/>
-        <c:lblOffset val="100"/>
-        <c:noMultiLvlLbl val="0"/>
-      </c:catAx>
-      <c:valAx>
-        <c:axId val="567294688"/>
-        <c:scaling>
-          <c:orientation val="minMax"/>
-        </c:scaling>
-        <c:delete val="0"/>
-        <c:axPos val="l"/>
-        <c:majorGridlines>
-          <c:spPr>
-            <a:ln w="9525" cap="flat" cmpd="sng" algn="ctr">
-              <a:solidFill>
-                <a:schemeClr val="tx2">
-                  <a:lumMod val="15000"/>
-                  <a:lumOff val="85000"/>
-                </a:schemeClr>
-              </a:solidFill>
-              <a:round/>
-            </a:ln>
-            <a:effectLst/>
-          </c:spPr>
-        </c:majorGridlines>
-        <c:numFmt formatCode="General" sourceLinked="1"/>
-        <c:majorTickMark val="none"/>
-        <c:minorTickMark val="none"/>
-        <c:tickLblPos val="nextTo"/>
-        <c:spPr>
-          <a:noFill/>
-          <a:ln>
-            <a:noFill/>
-          </a:ln>
-          <a:effectLst/>
-        </c:spPr>
-        <c:txPr>
-          <a:bodyPr rot="-60000000" spcFirstLastPara="1" vertOverflow="ellipsis" vert="horz" wrap="square" anchor="ctr" anchorCtr="1"/>
-          <a:lstStyle/>
-          <a:p>
-            <a:pPr>
-              <a:defRPr sz="1197" b="0" i="0" u="none" strike="noStrike" kern="1200" baseline="0">
-                <a:solidFill>
-                  <a:schemeClr val="tx2"/>
-                </a:solidFill>
-                <a:latin typeface="+mn-lt"/>
-                <a:ea typeface="+mn-ea"/>
-                <a:cs typeface="+mn-cs"/>
-              </a:defRPr>
-            </a:pPr>
-            <a:endParaRPr lang="en-US"/>
-          </a:p>
-        </c:txPr>
-        <c:crossAx val="567294296"/>
-        <c:crosses val="autoZero"/>
-        <c:crossBetween val="between"/>
-      </c:valAx>
-      <c:spPr>
-        <a:noFill/>
-        <a:ln>
-          <a:noFill/>
-        </a:ln>
-        <a:effectLst/>
-      </c:spPr>
-    </c:plotArea>
-    <c:legend>
-      <c:legendPos val="b"/>
-      <c:overlay val="0"/>
-      <c:spPr>
-        <a:noFill/>
-        <a:ln>
-          <a:noFill/>
-        </a:ln>
-        <a:effectLst/>
-      </c:spPr>
-      <c:txPr>
-        <a:bodyPr rot="0" spcFirstLastPara="1" vertOverflow="ellipsis" vert="horz" wrap="square" anchor="ctr" anchorCtr="1"/>
-        <a:lstStyle/>
-        <a:p>
-          <a:pPr>
-            <a:defRPr sz="1197" b="0" i="0" u="none" strike="noStrike" kern="1200" baseline="0">
-              <a:solidFill>
-                <a:schemeClr val="tx2"/>
-              </a:solidFill>
-              <a:latin typeface="+mn-lt"/>
-              <a:ea typeface="+mn-ea"/>
-              <a:cs typeface="+mn-cs"/>
-            </a:defRPr>
-          </a:pPr>
-          <a:endParaRPr lang="en-US"/>
-        </a:p>
-      </c:txPr>
-    </c:legend>
-    <c:plotVisOnly val="1"/>
-    <c:dispBlanksAs val="gap"/>
-    <c:showDLblsOverMax val="0"/>
-  </c:chart>
-  <c:spPr>
-    <a:noFill/>
-    <a:ln>
-      <a:noFill/>
-    </a:ln>
-    <a:effectLst/>
-  </c:spPr>
-  <c:txPr>
-    <a:bodyPr/>
-    <a:lstStyle/>
-    <a:p>
-      <a:pPr>
-        <a:defRPr/>
-      </a:pPr>
-      <a:endParaRPr lang="en-US"/>
-    </a:p>
-  </c:txPr>
-  <c:externalData r:id="rId3">
-    <c:autoUpdate val="0"/>
-  </c:externalData>
-</c:chartSpace>
-</file>
-
-<file path=ppt/charts/colors1.xml><?xml version="1.0" encoding="utf-8"?>
-<cs:colorStyle xmlns:cs="http://schemas.microsoft.com/office/drawing/2012/chartStyle" xmlns:a="http://schemas.openxmlformats.org/drawingml/2006/main" meth="cycle" id="10">
-  <a:schemeClr val="accent1"/>
-  <a:schemeClr val="accent2"/>
-  <a:schemeClr val="accent3"/>
-  <a:schemeClr val="accent4"/>
-  <a:schemeClr val="accent5"/>
-  <a:schemeClr val="accent6"/>
-  <cs:variation/>
-  <cs:variation>
-    <a:lumMod val="60000"/>
-  </cs:variation>
-  <cs:variation>
-    <a:lumMod val="80000"/>
-    <a:lumOff val="20000"/>
-  </cs:variation>
-  <cs:variation>
-    <a:lumMod val="80000"/>
-  </cs:variation>
-  <cs:variation>
-    <a:lumMod val="60000"/>
-    <a:lumOff val="40000"/>
-  </cs:variation>
-  <cs:variation>
-    <a:lumMod val="50000"/>
-  </cs:variation>
-  <cs:variation>
-    <a:lumMod val="70000"/>
-    <a:lumOff val="30000"/>
-  </cs:variation>
-  <cs:variation>
-    <a:lumMod val="70000"/>
-  </cs:variation>
-  <cs:variation>
-    <a:lumMod val="50000"/>
-    <a:lumOff val="50000"/>
-  </cs:variation>
-</cs:colorStyle>
-</file>
-
-<file path=ppt/charts/style1.xml><?xml version="1.0" encoding="utf-8"?>
-<cs:chartStyle xmlns:cs="http://schemas.microsoft.com/office/drawing/2012/chartStyle" xmlns:a="http://schemas.openxmlformats.org/drawingml/2006/main" id="207">
-  <cs:axisTitle>
-    <cs:lnRef idx="0"/>
-    <cs:fillRef idx="0"/>
-    <cs:effectRef idx="0"/>
-    <cs:fontRef idx="minor">
-      <a:schemeClr val="tx2"/>
-    </cs:fontRef>
-    <cs:defRPr sz="1197" b="1" kern="1200"/>
-  </cs:axisTitle>
-  <cs:categoryAxis>
-    <cs:lnRef idx="0"/>
-    <cs:fillRef idx="0"/>
-    <cs:effectRef idx="0"/>
-    <cs:fontRef idx="minor">
-      <a:schemeClr val="tx2"/>
-    </cs:fontRef>
-    <cs:spPr>
-      <a:ln w="9525" cap="flat" cmpd="sng" algn="ctr">
-        <a:solidFill>
-          <a:schemeClr val="tx2">
-            <a:lumMod val="15000"/>
-            <a:lumOff val="85000"/>
-          </a:schemeClr>
-        </a:solidFill>
-        <a:round/>
-      </a:ln>
-    </cs:spPr>
-    <cs:defRPr sz="1197" kern="1200"/>
-  </cs:categoryAxis>
-  <cs:chartArea mods="allowNoFillOverride allowNoLineOverride">
-    <cs:lnRef idx="0"/>
-    <cs:fillRef idx="0"/>
-    <cs:effectRef idx="0"/>
-    <cs:fontRef idx="minor">
-      <a:schemeClr val="tx2"/>
-    </cs:fontRef>
-    <cs:spPr>
-      <a:solidFill>
-        <a:schemeClr val="bg1"/>
-      </a:solidFill>
-      <a:ln w="9525" cap="flat" cmpd="sng" algn="ctr">
-        <a:solidFill>
-          <a:schemeClr val="tx2">
-            <a:lumMod val="15000"/>
-            <a:lumOff val="85000"/>
-          </a:schemeClr>
-        </a:solidFill>
-        <a:round/>
-      </a:ln>
-    </cs:spPr>
-    <cs:defRPr sz="1197" kern="1200"/>
-  </cs:chartArea>
-  <cs:dataLabel>
-    <cs:lnRef idx="0"/>
-    <cs:fillRef idx="0"/>
-    <cs:effectRef idx="0"/>
-    <cs:fontRef idx="minor">
-      <a:schemeClr val="tx2"/>
-    </cs:fontRef>
-    <cs:defRPr sz="1197" kern="1200"/>
-  </cs:dataLabel>
-  <cs:dataLabelCallout>
-    <cs:lnRef idx="0"/>
-    <cs:fillRef idx="0"/>
-    <cs:effectRef idx="0"/>
-    <cs:fontRef idx="minor">
-      <a:schemeClr val="dk2">
-        <a:lumMod val="75000"/>
-      </a:schemeClr>
-    </cs:fontRef>
-    <cs:spPr>
-      <a:solidFill>
-        <a:schemeClr val="lt1"/>
-      </a:solidFill>
-      <a:ln>
-        <a:solidFill>
-          <a:schemeClr val="dk1">
-            <a:lumMod val="25000"/>
-            <a:lumOff val="75000"/>
-          </a:schemeClr>
-        </a:solidFill>
-      </a:ln>
-    </cs:spPr>
-    <cs:defRPr sz="1197" kern="1200"/>
-    <cs:bodyPr rot="0" spcFirstLastPara="1" vertOverflow="clip" horzOverflow="clip" vert="horz" wrap="square" lIns="36576" tIns="18288" rIns="36576" bIns="18288" anchor="ctr" anchorCtr="1">
-      <a:spAutoFit/>
-    </cs:bodyPr>
-  </cs:dataLabelCallout>
-  <cs:dataPoint>
-    <cs:lnRef idx="0"/>
-    <cs:fillRef idx="3">
-      <cs:styleClr val="auto"/>
-    </cs:fillRef>
-    <cs:effectRef idx="2"/>
-    <cs:fontRef idx="minor">
-      <a:schemeClr val="tx2"/>
-    </cs:fontRef>
-  </cs:dataPoint>
-  <cs:dataPoint3D>
-    <cs:lnRef idx="0"/>
-    <cs:fillRef idx="3">
-      <cs:styleClr val="auto"/>
-    </cs:fillRef>
-    <cs:effectRef idx="2"/>
-    <cs:fontRef idx="minor">
-      <a:schemeClr val="tx2"/>
-    </cs:fontRef>
-  </cs:dataPoint3D>
-  <cs:dataPointLine>
-    <cs:lnRef idx="0">
-      <cs:styleClr val="auto"/>
-    </cs:lnRef>
-    <cs:fillRef idx="3"/>
-    <cs:effectRef idx="2"/>
-    <cs:fontRef idx="minor">
-      <a:schemeClr val="tx2"/>
-    </cs:fontRef>
-    <cs:spPr>
-      <a:ln w="31750" cap="rnd">
-        <a:solidFill>
-          <a:schemeClr val="phClr"/>
-        </a:solidFill>
-        <a:round/>
-      </a:ln>
-    </cs:spPr>
-  </cs:dataPointLine>
-  <cs:dataPointMarker>
-    <cs:lnRef idx="0"/>
-    <cs:fillRef idx="3">
-      <cs:styleClr val="auto"/>
-    </cs:fillRef>
-    <cs:effectRef idx="2"/>
-    <cs:fontRef idx="minor">
-      <a:schemeClr val="tx2"/>
-    </cs:fontRef>
-    <cs:spPr>
-      <a:ln w="12700">
-        <a:solidFill>
-          <a:schemeClr val="lt2"/>
-        </a:solidFill>
-        <a:round/>
-      </a:ln>
-    </cs:spPr>
-  </cs:dataPointMarker>
-  <cs:dataPointMarkerLayout symbol="circle" size="6"/>
-  <cs:dataPointWireframe>
-    <cs:lnRef idx="0">
-      <cs:styleClr val="auto"/>
-    </cs:lnRef>
-    <cs:fillRef idx="3"/>
-    <cs:effectRef idx="2"/>
-    <cs:fontRef idx="minor">
-      <a:schemeClr val="tx2"/>
-    </cs:fontRef>
-    <cs:spPr>
-      <a:ln w="9525" cap="rnd">
-        <a:solidFill>
-          <a:schemeClr val="phClr"/>
-        </a:solidFill>
-        <a:round/>
-      </a:ln>
-    </cs:spPr>
-  </cs:dataPointWireframe>
-  <cs:dataTable>
-    <cs:lnRef idx="0"/>
-    <cs:fillRef idx="0"/>
-    <cs:effectRef idx="0"/>
-    <cs:fontRef idx="minor">
-      <a:schemeClr val="tx2"/>
-    </cs:fontRef>
-    <cs:spPr>
-      <a:ln w="9525">
-        <a:solidFill>
-          <a:schemeClr val="tx2">
-            <a:lumMod val="15000"/>
-            <a:lumOff val="85000"/>
-          </a:schemeClr>
-        </a:solidFill>
-      </a:ln>
-    </cs:spPr>
-    <cs:defRPr sz="1197" kern="1200"/>
-  </cs:dataTable>
-  <cs:downBar>
-    <cs:lnRef idx="0"/>
-    <cs:fillRef idx="0"/>
-    <cs:effectRef idx="0"/>
-    <cs:fontRef idx="minor">
-      <a:schemeClr val="dk1"/>
-    </cs:fontRef>
-    <cs:spPr>
-      <a:solidFill>
-        <a:schemeClr val="dk1">
-          <a:lumMod val="65000"/>
-          <a:lumOff val="35000"/>
-        </a:schemeClr>
-      </a:solidFill>
-      <a:ln w="9525">
-        <a:solidFill>
-          <a:schemeClr val="tx1">
-            <a:lumMod val="65000"/>
-            <a:lumOff val="35000"/>
-          </a:schemeClr>
-        </a:solidFill>
-      </a:ln>
-    </cs:spPr>
-  </cs:downBar>
-  <cs:dropLine>
-    <cs:lnRef idx="0"/>
-    <cs:fillRef idx="0"/>
-    <cs:effectRef idx="0"/>
-    <cs:fontRef idx="minor">
-      <a:schemeClr val="tx2"/>
-    </cs:fontRef>
-    <cs:spPr>
-      <a:ln w="9525">
-        <a:solidFill>
-          <a:schemeClr val="tx2">
-            <a:lumMod val="60000"/>
-            <a:lumOff val="40000"/>
-          </a:schemeClr>
-        </a:solidFill>
-        <a:prstDash val="dash"/>
-      </a:ln>
-    </cs:spPr>
-  </cs:dropLine>
-  <cs:errorBar>
-    <cs:lnRef idx="0"/>
-    <cs:fillRef idx="0"/>
-    <cs:effectRef idx="0"/>
-    <cs:fontRef idx="minor">
-      <a:schemeClr val="tx2"/>
-    </cs:fontRef>
-    <cs:spPr>
-      <a:ln w="9525">
-        <a:solidFill>
-          <a:schemeClr val="tx2">
-            <a:lumMod val="75000"/>
-            <a:lumOff val="25000"/>
-          </a:schemeClr>
-        </a:solidFill>
-        <a:round/>
-      </a:ln>
-    </cs:spPr>
-  </cs:errorBar>
-  <cs:floor>
-    <cs:lnRef idx="0"/>
-    <cs:fillRef idx="0"/>
-    <cs:effectRef idx="0"/>
-    <cs:fontRef idx="minor">
-      <a:schemeClr val="tx2"/>
-    </cs:fontRef>
-  </cs:floor>
-  <cs:gridlineMajor>
-    <cs:lnRef idx="0"/>
-    <cs:fillRef idx="0"/>
-    <cs:effectRef idx="0"/>
-    <cs:fontRef idx="minor">
-      <a:schemeClr val="tx2"/>
-    </cs:fontRef>
-    <cs:spPr>
-      <a:ln w="9525" cap="flat" cmpd="sng" algn="ctr">
-        <a:solidFill>
-          <a:schemeClr val="tx2">
-            <a:lumMod val="15000"/>
-            <a:lumOff val="85000"/>
-          </a:schemeClr>
-        </a:solidFill>
-        <a:round/>
-      </a:ln>
-    </cs:spPr>
-  </cs:gridlineMajor>
-  <cs:gridlineMinor>
-    <cs:lnRef idx="0"/>
-    <cs:fillRef idx="0"/>
-    <cs:effectRef idx="0"/>
-    <cs:fontRef idx="minor">
-      <a:schemeClr val="tx2"/>
-    </cs:fontRef>
-    <cs:spPr>
-      <a:ln>
-        <a:solidFill>
-          <a:schemeClr val="tx2">
-            <a:lumMod val="5000"/>
-            <a:lumOff val="95000"/>
-          </a:schemeClr>
-        </a:solidFill>
-      </a:ln>
-    </cs:spPr>
-  </cs:gridlineMinor>
-  <cs:hiLoLine>
-    <cs:lnRef idx="0"/>
-    <cs:fillRef idx="0"/>
-    <cs:effectRef idx="0"/>
-    <cs:fontRef idx="minor">
-      <a:schemeClr val="tx2"/>
-    </cs:fontRef>
-    <cs:spPr>
-      <a:ln w="9525">
-        <a:solidFill>
-          <a:schemeClr val="tx2">
-            <a:lumMod val="60000"/>
-            <a:lumOff val="40000"/>
-          </a:schemeClr>
-        </a:solidFill>
-        <a:prstDash val="dash"/>
-      </a:ln>
-    </cs:spPr>
-  </cs:hiLoLine>
-  <cs:leaderLine>
-    <cs:lnRef idx="0"/>
-    <cs:fillRef idx="0"/>
-    <cs:effectRef idx="0"/>
-    <cs:fontRef idx="minor">
-      <a:schemeClr val="tx2"/>
-    </cs:fontRef>
-    <cs:spPr>
-      <a:ln w="9525">
-        <a:solidFill>
-          <a:schemeClr val="tx2">
-            <a:lumMod val="35000"/>
-            <a:lumOff val="65000"/>
-          </a:schemeClr>
-        </a:solidFill>
-      </a:ln>
-    </cs:spPr>
-  </cs:leaderLine>
-  <cs:legend>
-    <cs:lnRef idx="0"/>
-    <cs:fillRef idx="0"/>
-    <cs:effectRef idx="0"/>
-    <cs:fontRef idx="minor">
-      <a:schemeClr val="tx2"/>
-    </cs:fontRef>
-    <cs:defRPr sz="1197" kern="1200"/>
-  </cs:legend>
-  <cs:plotArea>
-    <cs:lnRef idx="0"/>
-    <cs:fillRef idx="0"/>
-    <cs:effectRef idx="0"/>
-    <cs:fontRef idx="minor">
-      <a:schemeClr val="tx2"/>
-    </cs:fontRef>
-  </cs:plotArea>
-  <cs:plotArea3D>
-    <cs:lnRef idx="0"/>
-    <cs:fillRef idx="0"/>
-    <cs:effectRef idx="0"/>
-    <cs:fontRef idx="minor">
-      <a:schemeClr val="tx2"/>
-    </cs:fontRef>
-  </cs:plotArea3D>
-  <cs:seriesAxis>
-    <cs:lnRef idx="0"/>
-    <cs:fillRef idx="0"/>
-    <cs:effectRef idx="0"/>
-    <cs:fontRef idx="minor">
-      <a:schemeClr val="tx2"/>
-    </cs:fontRef>
-    <cs:spPr>
-      <a:ln w="9525" cap="flat" cmpd="sng" algn="ctr">
-        <a:solidFill>
-          <a:schemeClr val="tx2">
-            <a:lumMod val="15000"/>
-            <a:lumOff val="85000"/>
-          </a:schemeClr>
-        </a:solidFill>
-        <a:round/>
-      </a:ln>
-    </cs:spPr>
-    <cs:defRPr sz="1197" kern="1200"/>
-  </cs:seriesAxis>
-  <cs:seriesLine>
-    <cs:lnRef idx="0"/>
-    <cs:fillRef idx="0"/>
-    <cs:effectRef idx="0"/>
-    <cs:fontRef idx="minor">
-      <a:schemeClr val="tx2"/>
-    </cs:fontRef>
-    <cs:spPr>
-      <a:ln w="9525">
-        <a:solidFill>
-          <a:schemeClr val="tx2">
-            <a:lumMod val="60000"/>
-            <a:lumOff val="40000"/>
-          </a:schemeClr>
-        </a:solidFill>
-        <a:prstDash val="dash"/>
-      </a:ln>
-    </cs:spPr>
-  </cs:seriesLine>
-  <cs:title>
-    <cs:lnRef idx="0"/>
-    <cs:fillRef idx="0"/>
-    <cs:effectRef idx="0"/>
-    <cs:fontRef idx="minor">
-      <a:schemeClr val="tx2"/>
-    </cs:fontRef>
-    <cs:defRPr sz="2128" b="1" kern="1200"/>
-  </cs:title>
-  <cs:trendline>
-    <cs:lnRef idx="0">
-      <cs:styleClr val="auto"/>
-    </cs:lnRef>
-    <cs:fillRef idx="0"/>
-    <cs:effectRef idx="0"/>
-    <cs:fontRef idx="minor">
-      <a:schemeClr val="tx2"/>
-    </cs:fontRef>
-    <cs:spPr>
-      <a:ln w="19050" cap="rnd">
-        <a:solidFill>
-          <a:schemeClr val="phClr"/>
-        </a:solidFill>
-        <a:prstDash val="sysDash"/>
-      </a:ln>
-    </cs:spPr>
-  </cs:trendline>
-  <cs:trendlineLabel>
-    <cs:lnRef idx="0"/>
-    <cs:fillRef idx="0"/>
-    <cs:effectRef idx="0"/>
-    <cs:fontRef idx="minor">
-      <a:schemeClr val="tx2"/>
-    </cs:fontRef>
-    <cs:defRPr sz="1197" kern="1200"/>
-  </cs:trendlineLabel>
-  <cs:upBar>
-    <cs:lnRef idx="0"/>
-    <cs:fillRef idx="0"/>
-    <cs:effectRef idx="0"/>
-    <cs:fontRef idx="minor">
-      <a:schemeClr val="tx2"/>
-    </cs:fontRef>
-    <cs:spPr>
-      <a:solidFill>
-        <a:schemeClr val="lt1"/>
-      </a:solidFill>
-      <a:ln w="9525">
-        <a:solidFill>
-          <a:schemeClr val="tx1">
-            <a:lumMod val="15000"/>
-            <a:lumOff val="85000"/>
-          </a:schemeClr>
-        </a:solidFill>
-      </a:ln>
-    </cs:spPr>
-  </cs:upBar>
-  <cs:valueAxis>
-    <cs:lnRef idx="0"/>
-    <cs:fillRef idx="0"/>
-    <cs:effectRef idx="0"/>
-    <cs:fontRef idx="minor">
-      <a:schemeClr val="tx2"/>
-    </cs:fontRef>
-    <cs:defRPr sz="1197" kern="1200"/>
-  </cs:valueAxis>
-  <cs:wall>
-    <cs:lnRef idx="0"/>
-    <cs:fillRef idx="0"/>
-    <cs:effectRef idx="0"/>
-    <cs:fontRef idx="minor">
-      <a:schemeClr val="tx2"/>
-    </cs:fontRef>
-  </cs:wall>
-</cs:chartStyle>
 </file>
 
 <file path=ppt/diagrams/colors1.xml><?xml version="1.0" encoding="utf-8"?>
@@ -11013,7 +9997,7 @@
             </a:r>
             <a:r>
               <a:rPr lang="en-US" dirty="0" err="1"/>
-              <a:t>Olleer</a:t>
+              <a:t>Oller</a:t>
             </a:r>
             <a:endParaRPr lang="en-US" dirty="0"/>
           </a:p>
@@ -11131,9 +10115,18 @@
           <a:lstStyle/>
           <a:p>
             <a:r>
-              <a:rPr lang="en-US" dirty="0"/>
-              <a:t>Add a Slide Title - 4</a:t>
+              <a:rPr lang="fr-FR" dirty="0"/>
+              <a:t>Future </a:t>
             </a:r>
+            <a:r>
+              <a:rPr lang="fr-FR" dirty="0" err="1"/>
+              <a:t>Improvements</a:t>
+            </a:r>
+            <a:r>
+              <a:rPr lang="fr-FR" dirty="0"/>
+              <a:t>:</a:t>
+            </a:r>
+            <a:endParaRPr lang="en-US" dirty="0"/>
           </a:p>
         </p:txBody>
       </p:sp>
@@ -11147,37 +10140,41 @@
             <p:ph idx="1"/>
           </p:nvPr>
         </p:nvSpPr>
-        <p:spPr/>
+        <p:spPr>
+          <a:xfrm>
+            <a:off x="1410027" y="2239769"/>
+            <a:ext cx="9371948" cy="2783415"/>
+          </a:xfrm>
+        </p:spPr>
         <p:txBody>
           <a:bodyPr/>
           <a:lstStyle/>
           <a:p>
-            <a:endParaRPr lang="en-US"/>
+            <a:r>
+              <a:rPr lang="en-US" dirty="0"/>
+              <a:t>Either abandon or use pipelines more effectively to permit feature labels</a:t>
+            </a:r>
+          </a:p>
+          <a:p>
+            <a:pPr marL="0" indent="0">
+              <a:buNone/>
+            </a:pPr>
+            <a:r>
+              <a:rPr lang="en-US" dirty="0"/>
+              <a:t> </a:t>
+            </a:r>
+          </a:p>
+          <a:p>
+            <a:r>
+              <a:rPr lang="en-US" dirty="0"/>
+              <a:t>Higher level interactions for elevation, latitude and longitude</a:t>
+            </a:r>
           </a:p>
         </p:txBody>
       </p:sp>
       <p:sp>
         <p:nvSpPr>
-          <p:cNvPr id="4" name="Text Placeholder 3"/>
-          <p:cNvSpPr>
-            <a:spLocks noGrp="1"/>
-          </p:cNvSpPr>
-          <p:nvPr>
-            <p:ph type="body" sz="half" idx="2"/>
-          </p:nvPr>
-        </p:nvSpPr>
-        <p:spPr/>
-        <p:txBody>
-          <a:bodyPr/>
-          <a:lstStyle/>
-          <a:p>
-            <a:endParaRPr lang="en-US"/>
-          </a:p>
-        </p:txBody>
-      </p:sp>
-      <p:sp>
-        <p:nvSpPr>
-          <p:cNvPr id="5" name="Slide Number Placeholder 4"/>
+          <p:cNvPr id="4" name="Slide Number Placeholder 3"/>
           <p:cNvSpPr>
             <a:spLocks noGrp="1"/>
           </p:cNvSpPr>
@@ -11200,7 +10197,7 @@
       </p:sp>
       <p:sp>
         <p:nvSpPr>
-          <p:cNvPr id="6" name="Date Placeholder 5"/>
+          <p:cNvPr id="5" name="Date Placeholder 4"/>
           <p:cNvSpPr>
             <a:spLocks noGrp="1"/>
           </p:cNvSpPr>
@@ -11213,7 +10210,7 @@
           <a:bodyPr/>
           <a:lstStyle/>
           <a:p>
-            <a:fld id="{BA2A3310-D664-4933-9402-AB5DB0887727}" type="datetime1">
+            <a:fld id="{6DD1B487-36FD-4CED-B07A-1A81FC6540B1}" type="datetime1">
               <a:rPr lang="en-US" smtClean="0"/>
               <a:pPr/>
               <a:t>10/6/2022</a:t>
@@ -11224,7 +10221,7 @@
       </p:sp>
       <p:sp>
         <p:nvSpPr>
-          <p:cNvPr id="7" name="Footer Placeholder 6"/>
+          <p:cNvPr id="6" name="Footer Placeholder 5"/>
           <p:cNvSpPr>
             <a:spLocks noGrp="1"/>
           </p:cNvSpPr>
@@ -11238,30 +10235,36 @@
           <a:lstStyle/>
           <a:p>
             <a:r>
-              <a:rPr lang="en-US"/>
+              <a:rPr lang="en-US" dirty="0">
+                <a:solidFill>
+                  <a:schemeClr val="accent1">
+                    <a:lumMod val="40000"/>
+                    <a:lumOff val="60000"/>
+                  </a:schemeClr>
+                </a:solidFill>
+              </a:rPr>
               <a:t>Add a footer</a:t>
             </a:r>
-            <a:endParaRPr lang="en-US" dirty="0"/>
           </a:p>
         </p:txBody>
       </p:sp>
     </p:spTree>
     <p:extLst>
       <p:ext uri="{BB962C8B-B14F-4D97-AF65-F5344CB8AC3E}">
-        <p14:creationId xmlns:p14="http://schemas.microsoft.com/office/powerpoint/2010/main" val="3971194441"/>
+        <p14:creationId xmlns:p14="http://schemas.microsoft.com/office/powerpoint/2010/main" val="1655799260"/>
       </p:ext>
     </p:extLst>
   </p:cSld>
   <p:clrMapOvr>
     <a:masterClrMapping/>
   </p:clrMapOvr>
-  <mc:AlternateContent xmlns:mc="http://schemas.openxmlformats.org/markup-compatibility/2006" xmlns:p14="http://schemas.microsoft.com/office/powerpoint/2010/main">
-    <mc:Choice Requires="p14">
+  <mc:AlternateContent xmlns:mc="http://schemas.openxmlformats.org/markup-compatibility/2006">
+    <mc:Choice xmlns:p14="http://schemas.microsoft.com/office/powerpoint/2010/main" Requires="p14">
       <p:transition spd="med" p14:dur="700">
         <p:fade/>
       </p:transition>
     </mc:Choice>
-    <mc:Fallback xmlns="">
+    <mc:Fallback>
       <p:transition spd="med">
         <p:fade/>
       </p:transition>
@@ -11289,7 +10292,7 @@
       </p:grpSpPr>
       <p:sp>
         <p:nvSpPr>
-          <p:cNvPr id="2" name="Title 1"/>
+          <p:cNvPr id="4" name="Title 3"/>
           <p:cNvSpPr>
             <a:spLocks noGrp="1"/>
           </p:cNvSpPr>
@@ -11304,31 +10307,27 @@
           <a:p>
             <a:r>
               <a:rPr lang="en-US" dirty="0"/>
-              <a:t>Add a Slide Title - 5</a:t>
+              <a:t>See me for Oktoberfest RSVP for 14</a:t>
+            </a:r>
+            <a:r>
+              <a:rPr lang="en-US" baseline="30000" dirty="0"/>
+              <a:t>th</a:t>
+            </a:r>
+            <a:r>
+              <a:rPr lang="en-US" dirty="0"/>
+              <a:t> (next Friday)</a:t>
             </a:r>
           </a:p>
         </p:txBody>
       </p:sp>
       <p:sp>
         <p:nvSpPr>
-          <p:cNvPr id="3" name="Picture Placeholder 2" descr="An empty placeholder to add an image. Click on the placeholder and select the image that you wish to add"/>
+          <p:cNvPr id="5" name="Text Placeholder 4"/>
           <p:cNvSpPr>
             <a:spLocks noGrp="1"/>
           </p:cNvSpPr>
           <p:nvPr>
-            <p:ph type="pic" idx="1"/>
-          </p:nvPr>
-        </p:nvSpPr>
-        <p:spPr/>
-      </p:sp>
-      <p:sp>
-        <p:nvSpPr>
-          <p:cNvPr id="4" name="Text Placeholder 3"/>
-          <p:cNvSpPr>
-            <a:spLocks noGrp="1"/>
-          </p:cNvSpPr>
-          <p:nvPr>
-            <p:ph type="body" sz="half" idx="2"/>
+            <p:ph type="body" idx="1"/>
           </p:nvPr>
         </p:nvSpPr>
         <p:spPr/>
@@ -11336,75 +10335,13 @@
           <a:bodyPr/>
           <a:lstStyle/>
           <a:p>
-            <a:endParaRPr lang="en-US"/>
-          </a:p>
-        </p:txBody>
-      </p:sp>
-      <p:sp>
-        <p:nvSpPr>
-          <p:cNvPr id="5" name="Slide Number Placeholder 4"/>
-          <p:cNvSpPr>
-            <a:spLocks noGrp="1"/>
-          </p:cNvSpPr>
-          <p:nvPr>
-            <p:ph type="sldNum" sz="quarter" idx="12"/>
-          </p:nvPr>
-        </p:nvSpPr>
-        <p:spPr/>
-        <p:txBody>
-          <a:bodyPr/>
-          <a:lstStyle/>
-          <a:p>
-            <a:fld id="{9CD8D479-8942-46E8-A226-A4E01F7A105C}" type="slidenum">
-              <a:rPr lang="en-US" smtClean="0"/>
-              <a:t>11</a:t>
-            </a:fld>
-            <a:endParaRPr lang="en-US"/>
-          </a:p>
-        </p:txBody>
-      </p:sp>
-      <p:sp>
-        <p:nvSpPr>
-          <p:cNvPr id="6" name="Date Placeholder 5"/>
-          <p:cNvSpPr>
-            <a:spLocks noGrp="1"/>
-          </p:cNvSpPr>
-          <p:nvPr>
-            <p:ph type="dt" sz="half" idx="10"/>
-          </p:nvPr>
-        </p:nvSpPr>
-        <p:spPr/>
-        <p:txBody>
-          <a:bodyPr/>
-          <a:lstStyle/>
-          <a:p>
-            <a:fld id="{E1447A63-5E3D-469C-A0D1-119323F4F95E}" type="datetime1">
-              <a:rPr lang="en-US" smtClean="0"/>
-              <a:pPr/>
-              <a:t>10/6/2022</a:t>
-            </a:fld>
-            <a:endParaRPr lang="en-US" dirty="0"/>
-          </a:p>
-        </p:txBody>
-      </p:sp>
-      <p:sp>
-        <p:nvSpPr>
-          <p:cNvPr id="7" name="Footer Placeholder 6"/>
-          <p:cNvSpPr>
-            <a:spLocks noGrp="1"/>
-          </p:cNvSpPr>
-          <p:nvPr>
-            <p:ph type="ftr" sz="quarter" idx="11"/>
-          </p:nvPr>
-        </p:nvSpPr>
-        <p:spPr/>
-        <p:txBody>
-          <a:bodyPr/>
-          <a:lstStyle/>
-          <a:p>
             <a:r>
-              <a:rPr lang="en-US"/>
-              <a:t>Add a footer</a:t>
+              <a:rPr lang="en-US" dirty="0"/>
+              <a:t>Jeffrey </a:t>
+            </a:r>
+            <a:r>
+              <a:rPr lang="en-US" dirty="0" err="1"/>
+              <a:t>Oller</a:t>
             </a:r>
             <a:endParaRPr lang="en-US" dirty="0"/>
           </a:p>
@@ -11413,7 +10350,7 @@
     </p:spTree>
     <p:extLst>
       <p:ext uri="{BB962C8B-B14F-4D97-AF65-F5344CB8AC3E}">
-        <p14:creationId xmlns:p14="http://schemas.microsoft.com/office/powerpoint/2010/main" val="1445667631"/>
+        <p14:creationId xmlns:p14="http://schemas.microsoft.com/office/powerpoint/2010/main" val="3752628919"/>
       </p:ext>
     </p:extLst>
   </p:cSld>
@@ -11565,29 +10502,6 @@
               <a:pPr/>
               <a:t>10/6/2022</a:t>
             </a:fld>
-            <a:endParaRPr lang="en-US" dirty="0"/>
-          </a:p>
-        </p:txBody>
-      </p:sp>
-      <p:sp>
-        <p:nvSpPr>
-          <p:cNvPr id="7" name="Footer Placeholder 6"/>
-          <p:cNvSpPr>
-            <a:spLocks noGrp="1"/>
-          </p:cNvSpPr>
-          <p:nvPr>
-            <p:ph type="ftr" sz="quarter" idx="11"/>
-          </p:nvPr>
-        </p:nvSpPr>
-        <p:spPr/>
-        <p:txBody>
-          <a:bodyPr/>
-          <a:lstStyle/>
-          <a:p>
-            <a:r>
-              <a:rPr lang="en-US"/>
-              <a:t>Add a footer</a:t>
-            </a:r>
             <a:endParaRPr lang="en-US" dirty="0"/>
           </a:p>
         </p:txBody>
@@ -11705,28 +10619,28 @@
           <a:lstStyle/>
           <a:p>
             <a:r>
+              <a:rPr lang="fr-FR" dirty="0"/>
+              <a:t>Leveraging </a:t>
+            </a:r>
+            <a:r>
               <a:rPr lang="fr-FR" dirty="0" err="1"/>
-              <a:t>Title</a:t>
+              <a:t>Predictive</a:t>
             </a:r>
             <a:r>
               <a:rPr lang="fr-FR" dirty="0"/>
-              <a:t> and Content </a:t>
+              <a:t> Model to </a:t>
             </a:r>
             <a:r>
               <a:rPr lang="fr-FR" dirty="0" err="1"/>
-              <a:t>Layout</a:t>
+              <a:t>Build</a:t>
             </a:r>
             <a:r>
               <a:rPr lang="fr-FR" dirty="0"/>
-              <a:t> </a:t>
+              <a:t> More Effective </a:t>
             </a:r>
             <a:r>
               <a:rPr lang="fr-FR" dirty="0" err="1"/>
-              <a:t>with</a:t>
-            </a:r>
-            <a:r>
-              <a:rPr lang="fr-FR" dirty="0"/>
-              <a:t> List</a:t>
+              <a:t>Pumps</a:t>
             </a:r>
             <a:endParaRPr lang="en-US" dirty="0"/>
           </a:p>
@@ -11742,26 +10656,39 @@
             <p:ph idx="1"/>
           </p:nvPr>
         </p:nvSpPr>
-        <p:spPr/>
+        <p:spPr>
+          <a:xfrm>
+            <a:off x="1410027" y="2239769"/>
+            <a:ext cx="9371948" cy="2783415"/>
+          </a:xfrm>
+        </p:spPr>
         <p:txBody>
-          <a:bodyPr/>
+          <a:bodyPr>
+            <a:normAutofit/>
+          </a:bodyPr>
           <a:lstStyle/>
           <a:p>
             <a:r>
-              <a:rPr lang="en-US" dirty="0"/>
-              <a:t>Add your first bullet point here</a:t>
+              <a:rPr lang="en-US" sz="2400" dirty="0"/>
+              <a:t>Determine feature importances</a:t>
             </a:r>
           </a:p>
           <a:p>
+            <a:endParaRPr lang="en-US" sz="2400" dirty="0"/>
+          </a:p>
+          <a:p>
             <a:r>
-              <a:rPr lang="en-US" dirty="0"/>
-              <a:t>Add your second bullet point here</a:t>
+              <a:rPr lang="en-US" sz="2400" dirty="0"/>
+              <a:t>Filter out variables outside our control</a:t>
             </a:r>
           </a:p>
           <a:p>
+            <a:endParaRPr lang="en-US" sz="2400" dirty="0"/>
+          </a:p>
+          <a:p>
             <a:r>
-              <a:rPr lang="en-US" dirty="0"/>
-              <a:t>Add your third bullet point here</a:t>
+              <a:rPr lang="en-US" sz="2400" dirty="0"/>
+              <a:t>Determine positive/negative correlations of feature importances</a:t>
             </a:r>
           </a:p>
         </p:txBody>
@@ -11829,10 +10756,16 @@
           <a:lstStyle/>
           <a:p>
             <a:r>
-              <a:rPr lang="en-US"/>
+              <a:rPr lang="en-US" dirty="0">
+                <a:solidFill>
+                  <a:schemeClr val="accent1">
+                    <a:lumMod val="40000"/>
+                    <a:lumOff val="60000"/>
+                  </a:schemeClr>
+                </a:solidFill>
+              </a:rPr>
               <a:t>Add a footer</a:t>
             </a:r>
-            <a:endParaRPr lang="en-US" dirty="0"/>
           </a:p>
         </p:txBody>
       </p:sp>
@@ -11888,15 +10821,75 @@
             <p:ph type="title"/>
           </p:nvPr>
         </p:nvSpPr>
-        <p:spPr/>
+        <p:spPr>
+          <a:xfrm>
+            <a:off x="1410027" y="276087"/>
+            <a:ext cx="3619174" cy="1183566"/>
+          </a:xfrm>
+        </p:spPr>
         <p:txBody>
           <a:bodyPr/>
           <a:lstStyle/>
           <a:p>
             <a:r>
-              <a:rPr lang="en-US" dirty="0"/>
-              <a:t>Title and Content Layout with Chart</a:t>
+              <a:rPr lang="fr-FR" dirty="0"/>
+              <a:t>Data Source:</a:t>
             </a:r>
+            <a:endParaRPr lang="en-US" dirty="0"/>
+          </a:p>
+        </p:txBody>
+      </p:sp>
+      <p:sp>
+        <p:nvSpPr>
+          <p:cNvPr id="3" name="Content Placeholder 2"/>
+          <p:cNvSpPr>
+            <a:spLocks noGrp="1"/>
+          </p:cNvSpPr>
+          <p:nvPr>
+            <p:ph idx="1"/>
+          </p:nvPr>
+        </p:nvSpPr>
+        <p:spPr>
+          <a:xfrm>
+            <a:off x="1410027" y="2281332"/>
+            <a:ext cx="3743864" cy="2783415"/>
+          </a:xfrm>
+        </p:spPr>
+        <p:txBody>
+          <a:bodyPr>
+            <a:normAutofit/>
+          </a:bodyPr>
+          <a:lstStyle/>
+          <a:p>
+            <a:r>
+              <a:rPr lang="en-US" sz="2400" dirty="0" err="1"/>
+              <a:t>Taarifa</a:t>
+            </a:r>
+            <a:r>
+              <a:rPr lang="en-US" sz="2400" dirty="0"/>
+              <a:t> and the Tanzanian Ministry of Water</a:t>
+            </a:r>
+          </a:p>
+          <a:p>
+            <a:endParaRPr lang="en-US" sz="2400" dirty="0"/>
+          </a:p>
+          <a:p>
+            <a:r>
+              <a:rPr lang="en-US" sz="2400" dirty="0"/>
+              <a:t>https://www.drivendata.org/competitions/7/pump-it-up-data-mining-the-water-table/</a:t>
+            </a:r>
+          </a:p>
+          <a:p>
+            <a:pPr marL="0" indent="0">
+              <a:buNone/>
+            </a:pPr>
+            <a:endParaRPr lang="en-US" sz="2400" dirty="0"/>
+          </a:p>
+          <a:p>
+            <a:pPr marL="0" indent="0">
+              <a:buNone/>
+            </a:pPr>
+            <a:endParaRPr lang="en-US" sz="2400" dirty="0"/>
           </a:p>
         </p:txBody>
       </p:sp>
@@ -11963,42 +10956,292 @@
           <a:lstStyle/>
           <a:p>
             <a:r>
-              <a:rPr lang="en-US"/>
+              <a:rPr lang="en-US" dirty="0">
+                <a:solidFill>
+                  <a:schemeClr val="accent1">
+                    <a:lumMod val="40000"/>
+                    <a:lumOff val="60000"/>
+                  </a:schemeClr>
+                </a:solidFill>
+              </a:rPr>
               <a:t>Add a footer</a:t>
             </a:r>
-            <a:endParaRPr lang="en-US" dirty="0"/>
           </a:p>
         </p:txBody>
       </p:sp>
-      <p:graphicFrame>
-        <p:nvGraphicFramePr>
-          <p:cNvPr id="7" name="Content Placeholder 8" descr="Clustered column chart representing&#10;3 series for 4 categories"/>
-          <p:cNvGraphicFramePr>
-            <a:graphicFrameLocks noGrp="1"/>
-          </p:cNvGraphicFramePr>
-          <p:nvPr>
-            <p:ph idx="1"/>
-            <p:extLst>
-              <p:ext uri="{D42A27DB-BD31-4B8C-83A1-F6EECF244321}">
-                <p14:modId xmlns:p14="http://schemas.microsoft.com/office/powerpoint/2010/main" val="1646913464"/>
-              </p:ext>
-            </p:extLst>
-          </p:nvPr>
-        </p:nvGraphicFramePr>
-        <p:xfrm>
-          <a:off x="1409700" y="1565275"/>
-          <a:ext cx="9372600" cy="4621213"/>
-        </p:xfrm>
-        <a:graphic>
-          <a:graphicData uri="http://schemas.openxmlformats.org/drawingml/2006/chart">
-            <c:chart xmlns:c="http://schemas.openxmlformats.org/drawingml/2006/chart" xmlns:r="http://schemas.openxmlformats.org/officeDocument/2006/relationships" r:id="rId2"/>
-          </a:graphicData>
-        </a:graphic>
-      </p:graphicFrame>
+      <p:sp>
+        <p:nvSpPr>
+          <p:cNvPr id="7" name="Title 1">
+            <a:extLst>
+              <a:ext uri="{FF2B5EF4-FFF2-40B4-BE49-F238E27FC236}">
+                <a16:creationId xmlns:a16="http://schemas.microsoft.com/office/drawing/2014/main" id="{216FFB18-1A04-33AC-AE71-F527AFC12007}"/>
+              </a:ext>
+            </a:extLst>
+          </p:cNvPr>
+          <p:cNvSpPr txBox="1">
+            <a:spLocks/>
+          </p:cNvSpPr>
+          <p:nvPr/>
+        </p:nvSpPr>
+        <p:spPr>
+          <a:xfrm>
+            <a:off x="6622799" y="276087"/>
+            <a:ext cx="3619174" cy="1183566"/>
+          </a:xfrm>
+          <a:prstGeom prst="rect">
+            <a:avLst/>
+          </a:prstGeom>
+        </p:spPr>
+        <p:txBody>
+          <a:bodyPr vert="horz" lIns="91440" tIns="45720" rIns="91440" bIns="45720" rtlCol="0" anchor="b">
+            <a:normAutofit/>
+          </a:bodyPr>
+          <a:lstStyle>
+            <a:lvl1pPr algn="l" defTabSz="914400" rtl="0" eaLnBrk="1" latinLnBrk="0" hangingPunct="1">
+              <a:spcBef>
+                <a:spcPct val="0"/>
+              </a:spcBef>
+              <a:buNone/>
+              <a:defRPr sz="3400" kern="1200">
+                <a:solidFill>
+                  <a:schemeClr val="accent1">
+                    <a:lumMod val="75000"/>
+                  </a:schemeClr>
+                </a:solidFill>
+                <a:latin typeface="+mj-lt"/>
+                <a:ea typeface="+mj-ea"/>
+                <a:cs typeface="+mj-cs"/>
+              </a:defRPr>
+            </a:lvl1pPr>
+          </a:lstStyle>
+          <a:p>
+            <a:r>
+              <a:rPr lang="fr-FR" dirty="0"/>
+              <a:t>Target Variable:</a:t>
+            </a:r>
+            <a:endParaRPr lang="en-US" dirty="0"/>
+          </a:p>
+        </p:txBody>
+      </p:sp>
+      <p:sp>
+        <p:nvSpPr>
+          <p:cNvPr id="8" name="Content Placeholder 2">
+            <a:extLst>
+              <a:ext uri="{FF2B5EF4-FFF2-40B4-BE49-F238E27FC236}">
+                <a16:creationId xmlns:a16="http://schemas.microsoft.com/office/drawing/2014/main" id="{371BEE04-4368-67B1-523B-5F401A096AB4}"/>
+              </a:ext>
+            </a:extLst>
+          </p:cNvPr>
+          <p:cNvSpPr txBox="1">
+            <a:spLocks/>
+          </p:cNvSpPr>
+          <p:nvPr/>
+        </p:nvSpPr>
+        <p:spPr>
+          <a:xfrm>
+            <a:off x="6622799" y="2281332"/>
+            <a:ext cx="3743864" cy="2783415"/>
+          </a:xfrm>
+          <a:prstGeom prst="rect">
+            <a:avLst/>
+          </a:prstGeom>
+        </p:spPr>
+        <p:txBody>
+          <a:bodyPr vert="horz" lIns="91440" tIns="45720" rIns="91440" bIns="45720" rtlCol="0">
+            <a:normAutofit/>
+          </a:bodyPr>
+          <a:lstStyle>
+            <a:lvl1pPr marL="210312" indent="-210312" algn="l" defTabSz="914400" rtl="0" eaLnBrk="1" latinLnBrk="0" hangingPunct="1">
+              <a:lnSpc>
+                <a:spcPct val="90000"/>
+              </a:lnSpc>
+              <a:spcBef>
+                <a:spcPts val="1100"/>
+              </a:spcBef>
+              <a:buFont typeface="Arial" panose="020B0604020202020204" pitchFamily="34" charset="0"/>
+              <a:buChar char="•"/>
+              <a:defRPr sz="2200" kern="1200">
+                <a:solidFill>
+                  <a:schemeClr val="tx1"/>
+                </a:solidFill>
+                <a:latin typeface="+mn-lt"/>
+                <a:ea typeface="+mn-ea"/>
+                <a:cs typeface="+mn-cs"/>
+              </a:defRPr>
+            </a:lvl1pPr>
+            <a:lvl2pPr marL="438912" indent="-155448" algn="l" defTabSz="914400" rtl="0" eaLnBrk="1" latinLnBrk="0" hangingPunct="1">
+              <a:lnSpc>
+                <a:spcPct val="90000"/>
+              </a:lnSpc>
+              <a:spcBef>
+                <a:spcPts val="400"/>
+              </a:spcBef>
+              <a:buFont typeface="Arial" panose="020B0604020202020204" pitchFamily="34" charset="0"/>
+              <a:buChar char="•"/>
+              <a:defRPr sz="1800" kern="1200">
+                <a:solidFill>
+                  <a:schemeClr val="tx1"/>
+                </a:solidFill>
+                <a:latin typeface="+mn-lt"/>
+                <a:ea typeface="+mn-ea"/>
+                <a:cs typeface="+mn-cs"/>
+              </a:defRPr>
+            </a:lvl2pPr>
+            <a:lvl3pPr marL="676656" indent="-155448" algn="l" defTabSz="914400" rtl="0" eaLnBrk="1" latinLnBrk="0" hangingPunct="1">
+              <a:lnSpc>
+                <a:spcPct val="90000"/>
+              </a:lnSpc>
+              <a:spcBef>
+                <a:spcPts val="400"/>
+              </a:spcBef>
+              <a:buFont typeface="Arial" panose="020B0604020202020204" pitchFamily="34" charset="0"/>
+              <a:buChar char="•"/>
+              <a:defRPr sz="1600" kern="1200">
+                <a:solidFill>
+                  <a:schemeClr val="tx1"/>
+                </a:solidFill>
+                <a:latin typeface="+mn-lt"/>
+                <a:ea typeface="+mn-ea"/>
+                <a:cs typeface="+mn-cs"/>
+              </a:defRPr>
+            </a:lvl3pPr>
+            <a:lvl4pPr marL="905256" indent="-155448" algn="l" defTabSz="914400" rtl="0" eaLnBrk="1" latinLnBrk="0" hangingPunct="1">
+              <a:lnSpc>
+                <a:spcPct val="90000"/>
+              </a:lnSpc>
+              <a:spcBef>
+                <a:spcPts val="400"/>
+              </a:spcBef>
+              <a:buFont typeface="Arial" panose="020B0604020202020204" pitchFamily="34" charset="0"/>
+              <a:buChar char="•"/>
+              <a:defRPr sz="1600" kern="1200">
+                <a:solidFill>
+                  <a:schemeClr val="tx1"/>
+                </a:solidFill>
+                <a:latin typeface="+mn-lt"/>
+                <a:ea typeface="+mn-ea"/>
+                <a:cs typeface="+mn-cs"/>
+              </a:defRPr>
+            </a:lvl4pPr>
+            <a:lvl5pPr marL="1133856" indent="-155448" algn="l" defTabSz="914400" rtl="0" eaLnBrk="1" latinLnBrk="0" hangingPunct="1">
+              <a:lnSpc>
+                <a:spcPct val="90000"/>
+              </a:lnSpc>
+              <a:spcBef>
+                <a:spcPts val="400"/>
+              </a:spcBef>
+              <a:buFont typeface="Arial" panose="020B0604020202020204" pitchFamily="34" charset="0"/>
+              <a:buChar char="•"/>
+              <a:defRPr sz="1600" kern="1200">
+                <a:solidFill>
+                  <a:schemeClr val="tx1"/>
+                </a:solidFill>
+                <a:latin typeface="+mn-lt"/>
+                <a:ea typeface="+mn-ea"/>
+                <a:cs typeface="+mn-cs"/>
+              </a:defRPr>
+            </a:lvl5pPr>
+            <a:lvl6pPr marL="1362456" indent="-155448" algn="l" defTabSz="914400" rtl="0" eaLnBrk="1" latinLnBrk="0" hangingPunct="1">
+              <a:lnSpc>
+                <a:spcPct val="90000"/>
+              </a:lnSpc>
+              <a:spcBef>
+                <a:spcPts val="400"/>
+              </a:spcBef>
+              <a:buFont typeface="Arial" panose="020B0604020202020204" pitchFamily="34" charset="0"/>
+              <a:buChar char="•"/>
+              <a:defRPr sz="1600" kern="1200">
+                <a:solidFill>
+                  <a:schemeClr val="tx1"/>
+                </a:solidFill>
+                <a:latin typeface="+mn-lt"/>
+                <a:ea typeface="+mn-ea"/>
+                <a:cs typeface="+mn-cs"/>
+              </a:defRPr>
+            </a:lvl6pPr>
+            <a:lvl7pPr marL="1591056" indent="-155448" algn="l" defTabSz="914400" rtl="0" eaLnBrk="1" latinLnBrk="0" hangingPunct="1">
+              <a:lnSpc>
+                <a:spcPct val="90000"/>
+              </a:lnSpc>
+              <a:spcBef>
+                <a:spcPts val="400"/>
+              </a:spcBef>
+              <a:buFont typeface="Arial" panose="020B0604020202020204" pitchFamily="34" charset="0"/>
+              <a:buChar char="•"/>
+              <a:defRPr sz="1600" kern="1200">
+                <a:solidFill>
+                  <a:schemeClr val="tx1"/>
+                </a:solidFill>
+                <a:latin typeface="+mn-lt"/>
+                <a:ea typeface="+mn-ea"/>
+                <a:cs typeface="+mn-cs"/>
+              </a:defRPr>
+            </a:lvl7pPr>
+            <a:lvl8pPr marL="1819656" indent="-155448" algn="l" defTabSz="914400" rtl="0" eaLnBrk="1" latinLnBrk="0" hangingPunct="1">
+              <a:lnSpc>
+                <a:spcPct val="90000"/>
+              </a:lnSpc>
+              <a:spcBef>
+                <a:spcPts val="400"/>
+              </a:spcBef>
+              <a:buFont typeface="Arial" panose="020B0604020202020204" pitchFamily="34" charset="0"/>
+              <a:buChar char="•"/>
+              <a:defRPr sz="1600" kern="1200">
+                <a:solidFill>
+                  <a:schemeClr val="tx1"/>
+                </a:solidFill>
+                <a:latin typeface="+mn-lt"/>
+                <a:ea typeface="+mn-ea"/>
+                <a:cs typeface="+mn-cs"/>
+              </a:defRPr>
+            </a:lvl8pPr>
+            <a:lvl9pPr marL="2048256" indent="-155448" algn="l" defTabSz="914400" rtl="0" eaLnBrk="1" latinLnBrk="0" hangingPunct="1">
+              <a:lnSpc>
+                <a:spcPct val="90000"/>
+              </a:lnSpc>
+              <a:spcBef>
+                <a:spcPts val="400"/>
+              </a:spcBef>
+              <a:buFont typeface="Arial" panose="020B0604020202020204" pitchFamily="34" charset="0"/>
+              <a:buChar char="•"/>
+              <a:defRPr sz="1600" kern="1200">
+                <a:solidFill>
+                  <a:schemeClr val="tx1"/>
+                </a:solidFill>
+                <a:latin typeface="+mn-lt"/>
+                <a:ea typeface="+mn-ea"/>
+                <a:cs typeface="+mn-cs"/>
+              </a:defRPr>
+            </a:lvl9pPr>
+          </a:lstStyle>
+          <a:p>
+            <a:r>
+              <a:rPr lang="en-US" sz="2400" dirty="0"/>
+              <a:t>Does water source need maintenance?</a:t>
+            </a:r>
+          </a:p>
+          <a:p>
+            <a:endParaRPr lang="en-US" sz="2400" dirty="0"/>
+          </a:p>
+          <a:p>
+            <a:r>
+              <a:rPr lang="en-US" sz="2400" dirty="0"/>
+              <a:t>Ternary problem -&gt; binary problem</a:t>
+            </a:r>
+          </a:p>
+          <a:p>
+            <a:pPr marL="0" indent="0">
+              <a:buFont typeface="Arial" panose="020B0604020202020204" pitchFamily="34" charset="0"/>
+              <a:buNone/>
+            </a:pPr>
+            <a:endParaRPr lang="en-US" sz="2400" dirty="0"/>
+          </a:p>
+        </p:txBody>
+      </p:sp>
     </p:spTree>
     <p:extLst>
       <p:ext uri="{BB962C8B-B14F-4D97-AF65-F5344CB8AC3E}">
-        <p14:creationId xmlns:p14="http://schemas.microsoft.com/office/powerpoint/2010/main" val="2632695608"/>
+        <p14:creationId xmlns:p14="http://schemas.microsoft.com/office/powerpoint/2010/main" val="323250342"/>
       </p:ext>
     </p:extLst>
   </p:cSld>
@@ -12054,7 +11297,7 @@
           <a:p>
             <a:r>
               <a:rPr lang="en-US" dirty="0"/>
-              <a:t>Two Content Layout with Table</a:t>
+              <a:t>Feature Engineering</a:t>
             </a:r>
           </a:p>
         </p:txBody>
@@ -12069,26 +11312,42 @@
             <p:ph sz="half" idx="1"/>
           </p:nvPr>
         </p:nvSpPr>
-        <p:spPr/>
+        <p:spPr>
+          <a:xfrm>
+            <a:off x="1409703" y="1985050"/>
+            <a:ext cx="4610099" cy="4620682"/>
+          </a:xfrm>
+        </p:spPr>
         <p:txBody>
           <a:bodyPr/>
           <a:lstStyle/>
           <a:p>
             <a:r>
               <a:rPr lang="en-US" dirty="0"/>
-              <a:t>First bullet point here</a:t>
+              <a:t>One-hot encoding</a:t>
             </a:r>
+          </a:p>
+          <a:p>
+            <a:endParaRPr lang="en-US" dirty="0"/>
           </a:p>
           <a:p>
             <a:r>
               <a:rPr lang="en-US" dirty="0"/>
-              <a:t>Second bullet point here</a:t>
+              <a:t>Boolean variables for </a:t>
             </a:r>
+            <a:r>
+              <a:rPr lang="en-US" dirty="0" err="1"/>
+              <a:t>NaN</a:t>
+            </a:r>
+            <a:endParaRPr lang="en-US" dirty="0"/>
+          </a:p>
+          <a:p>
+            <a:endParaRPr lang="en-US" dirty="0"/>
           </a:p>
           <a:p>
             <a:r>
               <a:rPr lang="en-US" dirty="0"/>
-              <a:t>Third bullet point here</a:t>
+              <a:t>Collapse trinary classification to binary classification problem</a:t>
             </a:r>
           </a:p>
         </p:txBody>
@@ -12156,10 +11415,24 @@
           <a:lstStyle/>
           <a:p>
             <a:r>
-              <a:rPr lang="en-US"/>
+              <a:rPr lang="en-US">
+                <a:solidFill>
+                  <a:schemeClr val="accent1">
+                    <a:lumMod val="40000"/>
+                    <a:lumOff val="60000"/>
+                  </a:schemeClr>
+                </a:solidFill>
+              </a:rPr>
               <a:t>Add a footer</a:t>
             </a:r>
-            <a:endParaRPr lang="en-US" dirty="0"/>
+            <a:endParaRPr lang="en-US" dirty="0">
+              <a:solidFill>
+                <a:schemeClr val="accent1">
+                  <a:lumMod val="40000"/>
+                  <a:lumOff val="60000"/>
+                </a:schemeClr>
+              </a:solidFill>
+            </a:endParaRPr>
           </a:p>
         </p:txBody>
       </p:sp>
@@ -12173,14 +11446,14 @@
             <p:ph sz="half" idx="2"/>
             <p:extLst>
               <p:ext uri="{D42A27DB-BD31-4B8C-83A1-F6EECF244321}">
-                <p14:modId xmlns:p14="http://schemas.microsoft.com/office/powerpoint/2010/main" val="245721988"/>
+                <p14:modId xmlns:p14="http://schemas.microsoft.com/office/powerpoint/2010/main" val="555137970"/>
               </p:ext>
             </p:extLst>
           </p:nvPr>
         </p:nvGraphicFramePr>
         <p:xfrm>
-          <a:off x="6172200" y="1555750"/>
-          <a:ext cx="4610100" cy="2072820"/>
+          <a:off x="6172199" y="1555750"/>
+          <a:ext cx="4609776" cy="3627435"/>
         </p:xfrm>
         <a:graphic>
           <a:graphicData uri="http://schemas.openxmlformats.org/drawingml/2006/table">
@@ -12189,24 +11462,17 @@
                 <a:tableStyleId>{3B4B98B0-60AC-42C2-AFA5-B58CD77FA1E5}</a:tableStyleId>
               </a:tblPr>
               <a:tblGrid>
-                <a:gridCol w="1536700">
+                <a:gridCol w="1974274">
                   <a:extLst>
                     <a:ext uri="{9D8B030D-6E8A-4147-A177-3AD203B41FA5}">
                       <a16:colId xmlns:a16="http://schemas.microsoft.com/office/drawing/2014/main" val="20000"/>
                     </a:ext>
                   </a:extLst>
                 </a:gridCol>
-                <a:gridCol w="1536700">
+                <a:gridCol w="2635502">
                   <a:extLst>
                     <a:ext uri="{9D8B030D-6E8A-4147-A177-3AD203B41FA5}">
                       <a16:colId xmlns:a16="http://schemas.microsoft.com/office/drawing/2014/main" val="20001"/>
-                    </a:ext>
-                  </a:extLst>
-                </a:gridCol>
-                <a:gridCol w="1536700">
-                  <a:extLst>
-                    <a:ext uri="{9D8B030D-6E8A-4147-A177-3AD203B41FA5}">
-                      <a16:colId xmlns:a16="http://schemas.microsoft.com/office/drawing/2014/main" val="20002"/>
                     </a:ext>
                   </a:extLst>
                 </a:gridCol>
@@ -12217,9 +11483,12 @@
                     <a:bodyPr/>
                     <a:lstStyle/>
                     <a:p>
+                      <a:pPr algn="ctr"/>
                       <a:r>
-                        <a:rPr lang="en-US" dirty="0"/>
-                        <a:t>Class</a:t>
+                        <a:rPr lang="en-US" dirty="0">
+                          <a:latin typeface="Avenir Next LT Pro" panose="020B0504020202020204" pitchFamily="34" charset="0"/>
+                        </a:rPr>
+                        <a:t>elevation</a:t>
                       </a:r>
                     </a:p>
                   </a:txBody>
@@ -12232,23 +11501,14 @@
                     <a:p>
                       <a:pPr algn="ctr"/>
                       <a:r>
-                        <a:rPr lang="en-US" dirty="0"/>
-                        <a:t>Group A</a:t>
+                        <a:rPr lang="en-US" dirty="0" err="1">
+                          <a:latin typeface="Avenir Next LT Pro" panose="020B0504020202020204" pitchFamily="34" charset="0"/>
+                        </a:rPr>
+                        <a:t>missing_elevation</a:t>
                       </a:r>
-                    </a:p>
-                  </a:txBody>
-                  <a:tcPr anchor="ctr"/>
-                </a:tc>
-                <a:tc>
-                  <a:txBody>
-                    <a:bodyPr/>
-                    <a:lstStyle/>
-                    <a:p>
-                      <a:pPr algn="ctr"/>
-                      <a:r>
-                        <a:rPr lang="en-US" dirty="0"/>
-                        <a:t>Group B</a:t>
-                      </a:r>
+                      <a:endParaRPr lang="en-US" dirty="0">
+                        <a:latin typeface="Avenir Next LT Pro" panose="020B0504020202020204" pitchFamily="34" charset="0"/>
+                      </a:endParaRPr>
                     </a:p>
                   </a:txBody>
                   <a:tcPr anchor="ctr"/>
@@ -12265,9 +11525,12 @@
                     <a:bodyPr/>
                     <a:lstStyle/>
                     <a:p>
+                      <a:pPr lvl="0" algn="ctr"/>
                       <a:r>
-                        <a:rPr lang="en-US" dirty="0"/>
-                        <a:t>Class 1</a:t>
+                        <a:rPr lang="en-US" dirty="0">
+                          <a:latin typeface="Avenir Next LT Pro" panose="020B0504020202020204" pitchFamily="34" charset="0"/>
+                        </a:rPr>
+                        <a:t>1390</a:t>
                       </a:r>
                     </a:p>
                   </a:txBody>
@@ -12280,22 +11543,10 @@
                     <a:p>
                       <a:pPr algn="ctr"/>
                       <a:r>
-                        <a:rPr lang="en-US" dirty="0"/>
-                        <a:t>82</a:t>
-                      </a:r>
-                    </a:p>
-                  </a:txBody>
-                  <a:tcPr anchor="ctr"/>
-                </a:tc>
-                <a:tc>
-                  <a:txBody>
-                    <a:bodyPr/>
-                    <a:lstStyle/>
-                    <a:p>
-                      <a:pPr algn="ctr"/>
-                      <a:r>
-                        <a:rPr lang="en-US" dirty="0"/>
-                        <a:t>95</a:t>
+                        <a:rPr lang="en-US" dirty="0">
+                          <a:latin typeface="Avenir Next LT Pro" panose="020B0504020202020204" pitchFamily="34" charset="0"/>
+                        </a:rPr>
+                        <a:t>0</a:t>
                       </a:r>
                     </a:p>
                   </a:txBody>
@@ -12313,9 +11564,12 @@
                     <a:bodyPr/>
                     <a:lstStyle/>
                     <a:p>
+                      <a:pPr lvl="0" algn="ctr"/>
                       <a:r>
-                        <a:rPr lang="en-US" dirty="0"/>
-                        <a:t>Class 2</a:t>
+                        <a:rPr lang="en-US" dirty="0">
+                          <a:latin typeface="Avenir Next LT Pro" panose="020B0504020202020204" pitchFamily="34" charset="0"/>
+                        </a:rPr>
+                        <a:t>686</a:t>
                       </a:r>
                     </a:p>
                   </a:txBody>
@@ -12328,22 +11582,10 @@
                     <a:p>
                       <a:pPr algn="ctr"/>
                       <a:r>
-                        <a:rPr lang="en-US" dirty="0"/>
-                        <a:t>76</a:t>
-                      </a:r>
-                    </a:p>
-                  </a:txBody>
-                  <a:tcPr anchor="ctr"/>
-                </a:tc>
-                <a:tc>
-                  <a:txBody>
-                    <a:bodyPr/>
-                    <a:lstStyle/>
-                    <a:p>
-                      <a:pPr algn="ctr"/>
-                      <a:r>
-                        <a:rPr lang="en-US" dirty="0"/>
-                        <a:t>88</a:t>
+                        <a:rPr lang="en-US" dirty="0">
+                          <a:latin typeface="Avenir Next LT Pro" panose="020B0504020202020204" pitchFamily="34" charset="0"/>
+                        </a:rPr>
+                        <a:t>0</a:t>
                       </a:r>
                     </a:p>
                   </a:txBody>
@@ -12361,9 +11603,12 @@
                     <a:bodyPr/>
                     <a:lstStyle/>
                     <a:p>
+                      <a:pPr lvl="0" algn="ctr"/>
                       <a:r>
-                        <a:rPr lang="en-US" dirty="0"/>
-                        <a:t>Class 3</a:t>
+                        <a:rPr lang="en-US" dirty="0">
+                          <a:latin typeface="Avenir Next LT Pro" panose="020B0504020202020204" pitchFamily="34" charset="0"/>
+                        </a:rPr>
+                        <a:t>0</a:t>
                       </a:r>
                     </a:p>
                   </a:txBody>
@@ -12376,8 +11621,33 @@
                     <a:p>
                       <a:pPr algn="ctr"/>
                       <a:r>
-                        <a:rPr lang="en-US" dirty="0"/>
-                        <a:t>84</a:t>
+                        <a:rPr lang="en-US" dirty="0">
+                          <a:latin typeface="Avenir Next LT Pro" panose="020B0504020202020204" pitchFamily="34" charset="0"/>
+                        </a:rPr>
+                        <a:t>1</a:t>
+                      </a:r>
+                    </a:p>
+                  </a:txBody>
+                  <a:tcPr anchor="ctr"/>
+                </a:tc>
+                <a:extLst>
+                  <a:ext uri="{0D108BD9-81ED-4DB2-BD59-A6C34878D82A}">
+                    <a16:rowId xmlns:a16="http://schemas.microsoft.com/office/drawing/2014/main" val="10003"/>
+                  </a:ext>
+                </a:extLst>
+              </a:tr>
+              <a:tr h="518205">
+                <a:tc>
+                  <a:txBody>
+                    <a:bodyPr/>
+                    <a:lstStyle/>
+                    <a:p>
+                      <a:pPr lvl="0" algn="ctr"/>
+                      <a:r>
+                        <a:rPr lang="en-US" dirty="0">
+                          <a:latin typeface="Avenir Next LT Pro" panose="020B0504020202020204" pitchFamily="34" charset="0"/>
+                        </a:rPr>
+                        <a:t>1062</a:t>
                       </a:r>
                     </a:p>
                   </a:txBody>
@@ -12390,8 +11660,10 @@
                     <a:p>
                       <a:pPr algn="ctr"/>
                       <a:r>
-                        <a:rPr lang="en-US" dirty="0"/>
-                        <a:t>90</a:t>
+                        <a:rPr lang="en-US" dirty="0">
+                          <a:latin typeface="Avenir Next LT Pro" panose="020B0504020202020204" pitchFamily="34" charset="0"/>
+                        </a:rPr>
+                        <a:t>0</a:t>
                       </a:r>
                     </a:p>
                   </a:txBody>
@@ -12399,7 +11671,105 @@
                 </a:tc>
                 <a:extLst>
                   <a:ext uri="{0D108BD9-81ED-4DB2-BD59-A6C34878D82A}">
-                    <a16:rowId xmlns:a16="http://schemas.microsoft.com/office/drawing/2014/main" val="10003"/>
+                    <a16:rowId xmlns:a16="http://schemas.microsoft.com/office/drawing/2014/main" val="3620039963"/>
+                  </a:ext>
+                </a:extLst>
+              </a:tr>
+              <a:tr h="518205">
+                <a:tc>
+                  <a:txBody>
+                    <a:bodyPr/>
+                    <a:lstStyle/>
+                    <a:p>
+                      <a:pPr lvl="0" algn="ctr"/>
+                      <a:r>
+                        <a:rPr lang="en-US" dirty="0">
+                          <a:latin typeface="Avenir Next LT Pro" panose="020B0504020202020204" pitchFamily="34" charset="0"/>
+                        </a:rPr>
+                        <a:t>0</a:t>
+                      </a:r>
+                    </a:p>
+                  </a:txBody>
+                  <a:tcPr anchor="ctr"/>
+                </a:tc>
+                <a:tc>
+                  <a:txBody>
+                    <a:bodyPr/>
+                    <a:lstStyle/>
+                    <a:p>
+                      <a:pPr algn="ctr"/>
+                      <a:r>
+                        <a:rPr lang="en-US" dirty="0">
+                          <a:latin typeface="Avenir Next LT Pro" panose="020B0504020202020204" pitchFamily="34" charset="0"/>
+                        </a:rPr>
+                        <a:t>1</a:t>
+                      </a:r>
+                    </a:p>
+                  </a:txBody>
+                  <a:tcPr anchor="ctr"/>
+                </a:tc>
+                <a:extLst>
+                  <a:ext uri="{0D108BD9-81ED-4DB2-BD59-A6C34878D82A}">
+                    <a16:rowId xmlns:a16="http://schemas.microsoft.com/office/drawing/2014/main" val="3166942115"/>
+                  </a:ext>
+                </a:extLst>
+              </a:tr>
+              <a:tr h="518205">
+                <a:tc>
+                  <a:txBody>
+                    <a:bodyPr/>
+                    <a:lstStyle/>
+                    <a:p>
+                      <a:pPr lvl="0" algn="ctr"/>
+                      <a:r>
+                        <a:rPr lang="en-US" dirty="0">
+                          <a:latin typeface="Avenir Next LT Pro" panose="020B0504020202020204" pitchFamily="34" charset="0"/>
+                        </a:rPr>
+                        <a:t>0</a:t>
+                      </a:r>
+                    </a:p>
+                  </a:txBody>
+                  <a:tcPr anchor="ctr">
+                    <a:lnB w="12700" cap="flat" cmpd="sng" algn="ctr">
+                      <a:solidFill>
+                        <a:schemeClr val="tx1"/>
+                      </a:solidFill>
+                      <a:prstDash val="solid"/>
+                      <a:round/>
+                      <a:headEnd type="none" w="med" len="med"/>
+                      <a:tailEnd type="none" w="med" len="med"/>
+                    </a:lnB>
+                  </a:tcPr>
+                </a:tc>
+                <a:tc>
+                  <a:txBody>
+                    <a:bodyPr/>
+                    <a:lstStyle/>
+                    <a:p>
+                      <a:pPr algn="ctr"/>
+                      <a:r>
+                        <a:rPr lang="en-US" dirty="0">
+                          <a:latin typeface="Avenir Next LT Pro" panose="020B0504020202020204" pitchFamily="34" charset="0"/>
+                        </a:rPr>
+                        <a:t>1</a:t>
+                      </a:r>
+                    </a:p>
+                  </a:txBody>
+                  <a:tcPr anchor="ctr">
+                    <a:lnB w="12700" cap="flat" cmpd="sng" algn="ctr">
+                      <a:solidFill>
+                        <a:schemeClr val="tx1"/>
+                      </a:solidFill>
+                      <a:prstDash val="solid"/>
+                      <a:round/>
+                      <a:headEnd type="none" w="med" len="med"/>
+                      <a:tailEnd type="none" w="med" len="med"/>
+                    </a:lnB>
+                  </a:tcPr>
+                </a:tc>
+                <a:extLst>
+                  <a:ext uri="{0D108BD9-81ED-4DB2-BD59-A6C34878D82A}">
+                    <a16:rowId xmlns:a16="http://schemas.microsoft.com/office/drawing/2014/main" val="3784350345"/>
                   </a:ext>
                 </a:extLst>
               </a:tr>
@@ -12451,7 +11821,7 @@
       </p:grpSpPr>
       <p:sp>
         <p:nvSpPr>
-          <p:cNvPr id="4" name="Title 3"/>
+          <p:cNvPr id="2" name="Title 1"/>
           <p:cNvSpPr>
             <a:spLocks noGrp="1"/>
           </p:cNvSpPr>
@@ -12466,19 +11836,19 @@
           <a:p>
             <a:r>
               <a:rPr lang="en-US" dirty="0"/>
-              <a:t>Add a Slide Title - 1</a:t>
+              <a:t>Logistic Regression Classifier (Baseline)</a:t>
             </a:r>
           </a:p>
         </p:txBody>
       </p:sp>
       <p:sp>
         <p:nvSpPr>
-          <p:cNvPr id="5" name="Text Placeholder 4"/>
+          <p:cNvPr id="4" name="Slide Number Placeholder 3"/>
           <p:cNvSpPr>
             <a:spLocks noGrp="1"/>
           </p:cNvSpPr>
           <p:nvPr>
-            <p:ph type="body" idx="1"/>
+            <p:ph type="sldNum" sz="quarter" idx="12"/>
           </p:nvPr>
         </p:nvSpPr>
         <p:spPr/>
@@ -12486,14 +11856,347 @@
           <a:bodyPr/>
           <a:lstStyle/>
           <a:p>
+            <a:fld id="{9CD8D479-8942-46E8-A226-A4E01F7A105C}" type="slidenum">
+              <a:rPr lang="en-US" smtClean="0"/>
+              <a:t>6</a:t>
+            </a:fld>
             <a:endParaRPr lang="en-US"/>
           </a:p>
         </p:txBody>
       </p:sp>
+      <p:sp>
+        <p:nvSpPr>
+          <p:cNvPr id="5" name="Date Placeholder 4"/>
+          <p:cNvSpPr>
+            <a:spLocks noGrp="1"/>
+          </p:cNvSpPr>
+          <p:nvPr>
+            <p:ph type="dt" sz="half" idx="10"/>
+          </p:nvPr>
+        </p:nvSpPr>
+        <p:spPr/>
+        <p:txBody>
+          <a:bodyPr/>
+          <a:lstStyle/>
+          <a:p>
+            <a:fld id="{6DD1B487-36FD-4CED-B07A-1A81FC6540B1}" type="datetime1">
+              <a:rPr lang="en-US" smtClean="0"/>
+              <a:pPr/>
+              <a:t>10/6/2022</a:t>
+            </a:fld>
+            <a:endParaRPr lang="en-US" dirty="0"/>
+          </a:p>
+        </p:txBody>
+      </p:sp>
+      <p:sp>
+        <p:nvSpPr>
+          <p:cNvPr id="6" name="Footer Placeholder 5"/>
+          <p:cNvSpPr>
+            <a:spLocks noGrp="1"/>
+          </p:cNvSpPr>
+          <p:nvPr>
+            <p:ph type="ftr" sz="quarter" idx="11"/>
+          </p:nvPr>
+        </p:nvSpPr>
+        <p:spPr/>
+        <p:txBody>
+          <a:bodyPr/>
+          <a:lstStyle/>
+          <a:p>
+            <a:r>
+              <a:rPr lang="en-US">
+                <a:solidFill>
+                  <a:schemeClr val="accent1">
+                    <a:lumMod val="40000"/>
+                    <a:lumOff val="60000"/>
+                  </a:schemeClr>
+                </a:solidFill>
+              </a:rPr>
+              <a:t>Add a footer</a:t>
+            </a:r>
+            <a:endParaRPr lang="en-US" dirty="0">
+              <a:solidFill>
+                <a:schemeClr val="accent1">
+                  <a:lumMod val="40000"/>
+                  <a:lumOff val="60000"/>
+                </a:schemeClr>
+              </a:solidFill>
+            </a:endParaRPr>
+          </a:p>
+        </p:txBody>
+      </p:sp>
+      <p:pic>
+        <p:nvPicPr>
+          <p:cNvPr id="12" name="Picture 11" descr="Treemap chart, square&#10;&#10;Description automatically generated">
+            <a:extLst>
+              <a:ext uri="{FF2B5EF4-FFF2-40B4-BE49-F238E27FC236}">
+                <a16:creationId xmlns:a16="http://schemas.microsoft.com/office/drawing/2014/main" id="{2B0D089A-142A-E2BD-52BB-78B4D84A482A}"/>
+              </a:ext>
+            </a:extLst>
+          </p:cNvPr>
+          <p:cNvPicPr>
+            <a:picLocks noChangeAspect="1"/>
+          </p:cNvPicPr>
+          <p:nvPr/>
+        </p:nvPicPr>
+        <p:blipFill>
+          <a:blip r:embed="rId2">
+            <a:extLst>
+              <a:ext uri="{28A0092B-C50C-407E-A947-70E740481C1C}">
+                <a14:useLocalDpi xmlns:a14="http://schemas.microsoft.com/office/drawing/2010/main" val="0"/>
+              </a:ext>
+            </a:extLst>
+          </a:blip>
+          <a:stretch>
+            <a:fillRect/>
+          </a:stretch>
+        </p:blipFill>
+        <p:spPr>
+          <a:xfrm>
+            <a:off x="1335913" y="1628091"/>
+            <a:ext cx="4760087" cy="4644189"/>
+          </a:xfrm>
+          <a:prstGeom prst="rect">
+            <a:avLst/>
+          </a:prstGeom>
+        </p:spPr>
+      </p:pic>
+      <p:graphicFrame>
+        <p:nvGraphicFramePr>
+          <p:cNvPr id="14" name="Table 14">
+            <a:extLst>
+              <a:ext uri="{FF2B5EF4-FFF2-40B4-BE49-F238E27FC236}">
+                <a16:creationId xmlns:a16="http://schemas.microsoft.com/office/drawing/2014/main" id="{B96709C7-8D44-1446-6F5A-150B6C64FB6E}"/>
+              </a:ext>
+            </a:extLst>
+          </p:cNvPr>
+          <p:cNvGraphicFramePr>
+            <a:graphicFrameLocks noGrp="1"/>
+          </p:cNvGraphicFramePr>
+          <p:nvPr>
+            <p:extLst>
+              <p:ext uri="{D42A27DB-BD31-4B8C-83A1-F6EECF244321}">
+                <p14:modId xmlns:p14="http://schemas.microsoft.com/office/powerpoint/2010/main" val="2697376161"/>
+              </p:ext>
+            </p:extLst>
+          </p:nvPr>
+        </p:nvGraphicFramePr>
+        <p:xfrm>
+          <a:off x="6441984" y="1945640"/>
+          <a:ext cx="4339990" cy="1483360"/>
+        </p:xfrm>
+        <a:graphic>
+          <a:graphicData uri="http://schemas.openxmlformats.org/drawingml/2006/table">
+            <a:tbl>
+              <a:tblPr bandRow="1">
+                <a:tableStyleId>{3B4B98B0-60AC-42C2-AFA5-B58CD77FA1E5}</a:tableStyleId>
+              </a:tblPr>
+              <a:tblGrid>
+                <a:gridCol w="2169995">
+                  <a:extLst>
+                    <a:ext uri="{9D8B030D-6E8A-4147-A177-3AD203B41FA5}">
+                      <a16:colId xmlns:a16="http://schemas.microsoft.com/office/drawing/2014/main" val="3742263182"/>
+                    </a:ext>
+                  </a:extLst>
+                </a:gridCol>
+                <a:gridCol w="2169995">
+                  <a:extLst>
+                    <a:ext uri="{9D8B030D-6E8A-4147-A177-3AD203B41FA5}">
+                      <a16:colId xmlns:a16="http://schemas.microsoft.com/office/drawing/2014/main" val="4098073355"/>
+                    </a:ext>
+                  </a:extLst>
+                </a:gridCol>
+              </a:tblGrid>
+              <a:tr h="370840">
+                <a:tc>
+                  <a:txBody>
+                    <a:bodyPr/>
+                    <a:lstStyle/>
+                    <a:p>
+                      <a:pPr marL="0" algn="l" defTabSz="914400" rtl="0" eaLnBrk="1" latinLnBrk="0" hangingPunct="1"/>
+                      <a:r>
+                        <a:rPr lang="en-US" sz="1800" b="0" kern="1200" dirty="0">
+                          <a:solidFill>
+                            <a:schemeClr val="tx1"/>
+                          </a:solidFill>
+                          <a:latin typeface="Avenir Next LT Pro" panose="020B0504020202020204" pitchFamily="34" charset="0"/>
+                          <a:ea typeface="+mn-ea"/>
+                          <a:cs typeface="+mn-cs"/>
+                        </a:rPr>
+                        <a:t>Test </a:t>
+                      </a:r>
+                      <a:r>
+                        <a:rPr lang="en-US" sz="1800" b="0" kern="1200" dirty="0" err="1">
+                          <a:solidFill>
+                            <a:schemeClr val="tx1"/>
+                          </a:solidFill>
+                          <a:latin typeface="Avenir Next LT Pro" panose="020B0504020202020204" pitchFamily="34" charset="0"/>
+                          <a:ea typeface="+mn-ea"/>
+                          <a:cs typeface="+mn-cs"/>
+                        </a:rPr>
+                        <a:t>Acccuracy</a:t>
+                      </a:r>
+                      <a:r>
+                        <a:rPr lang="en-US" sz="1800" b="0" kern="1200" dirty="0">
+                          <a:solidFill>
+                            <a:schemeClr val="tx1"/>
+                          </a:solidFill>
+                          <a:latin typeface="Avenir Next LT Pro" panose="020B0504020202020204" pitchFamily="34" charset="0"/>
+                          <a:ea typeface="+mn-ea"/>
+                          <a:cs typeface="+mn-cs"/>
+                        </a:rPr>
+                        <a:t>:</a:t>
+                      </a:r>
+                    </a:p>
+                  </a:txBody>
+                  <a:tcPr/>
+                </a:tc>
+                <a:tc>
+                  <a:txBody>
+                    <a:bodyPr/>
+                    <a:lstStyle/>
+                    <a:p>
+                      <a:pPr marL="0" algn="l" defTabSz="914400" rtl="0" eaLnBrk="1" latinLnBrk="0" hangingPunct="1"/>
+                      <a:r>
+                        <a:rPr lang="en-US" sz="1800" b="0" kern="1200" dirty="0">
+                          <a:solidFill>
+                            <a:schemeClr val="tx1"/>
+                          </a:solidFill>
+                          <a:latin typeface="Avenir Next LT Pro" panose="020B0504020202020204" pitchFamily="34" charset="0"/>
+                          <a:ea typeface="+mn-ea"/>
+                          <a:cs typeface="+mn-cs"/>
+                        </a:rPr>
+                        <a:t>76.73%</a:t>
+                      </a:r>
+                    </a:p>
+                  </a:txBody>
+                  <a:tcPr/>
+                </a:tc>
+                <a:extLst>
+                  <a:ext uri="{0D108BD9-81ED-4DB2-BD59-A6C34878D82A}">
+                    <a16:rowId xmlns:a16="http://schemas.microsoft.com/office/drawing/2014/main" val="1136888605"/>
+                  </a:ext>
+                </a:extLst>
+              </a:tr>
+              <a:tr h="370840">
+                <a:tc>
+                  <a:txBody>
+                    <a:bodyPr/>
+                    <a:lstStyle/>
+                    <a:p>
+                      <a:r>
+                        <a:rPr lang="en-US" b="0" dirty="0">
+                          <a:latin typeface="Avenir Next LT Pro" panose="020B0504020202020204" pitchFamily="34" charset="0"/>
+                        </a:rPr>
+                        <a:t>Precision:</a:t>
+                      </a:r>
+                    </a:p>
+                  </a:txBody>
+                  <a:tcPr/>
+                </a:tc>
+                <a:tc>
+                  <a:txBody>
+                    <a:bodyPr/>
+                    <a:lstStyle/>
+                    <a:p>
+                      <a:r>
+                        <a:rPr lang="en-US" b="0" dirty="0">
+                          <a:latin typeface="Avenir Next LT Pro" panose="020B0504020202020204" pitchFamily="34" charset="0"/>
+                        </a:rPr>
+                        <a:t>77%</a:t>
+                      </a:r>
+                    </a:p>
+                  </a:txBody>
+                  <a:tcPr/>
+                </a:tc>
+                <a:extLst>
+                  <a:ext uri="{0D108BD9-81ED-4DB2-BD59-A6C34878D82A}">
+                    <a16:rowId xmlns:a16="http://schemas.microsoft.com/office/drawing/2014/main" val="3402751990"/>
+                  </a:ext>
+                </a:extLst>
+              </a:tr>
+              <a:tr h="370840">
+                <a:tc>
+                  <a:txBody>
+                    <a:bodyPr/>
+                    <a:lstStyle/>
+                    <a:p>
+                      <a:r>
+                        <a:rPr lang="en-US" b="0" dirty="0">
+                          <a:latin typeface="Avenir Next LT Pro" panose="020B0504020202020204" pitchFamily="34" charset="0"/>
+                        </a:rPr>
+                        <a:t>Recall:</a:t>
+                      </a:r>
+                    </a:p>
+                  </a:txBody>
+                  <a:tcPr/>
+                </a:tc>
+                <a:tc>
+                  <a:txBody>
+                    <a:bodyPr/>
+                    <a:lstStyle/>
+                    <a:p>
+                      <a:r>
+                        <a:rPr lang="en-US" b="0" dirty="0">
+                          <a:latin typeface="Avenir Next LT Pro" panose="020B0504020202020204" pitchFamily="34" charset="0"/>
+                        </a:rPr>
+                        <a:t>77%</a:t>
+                      </a:r>
+                    </a:p>
+                  </a:txBody>
+                  <a:tcPr/>
+                </a:tc>
+                <a:extLst>
+                  <a:ext uri="{0D108BD9-81ED-4DB2-BD59-A6C34878D82A}">
+                    <a16:rowId xmlns:a16="http://schemas.microsoft.com/office/drawing/2014/main" val="4088692616"/>
+                  </a:ext>
+                </a:extLst>
+              </a:tr>
+              <a:tr h="370840">
+                <a:tc>
+                  <a:txBody>
+                    <a:bodyPr/>
+                    <a:lstStyle/>
+                    <a:p>
+                      <a:r>
+                        <a:rPr lang="en-US" b="0" dirty="0">
+                          <a:latin typeface="Avenir Next LT Pro" panose="020B0504020202020204" pitchFamily="34" charset="0"/>
+                        </a:rPr>
+                        <a:t>F1-Score:</a:t>
+                      </a:r>
+                    </a:p>
+                  </a:txBody>
+                  <a:tcPr/>
+                </a:tc>
+                <a:tc>
+                  <a:txBody>
+                    <a:bodyPr/>
+                    <a:lstStyle/>
+                    <a:p>
+                      <a:r>
+                        <a:rPr lang="en-US" b="0" dirty="0">
+                          <a:latin typeface="Avenir Next LT Pro" panose="020B0504020202020204" pitchFamily="34" charset="0"/>
+                        </a:rPr>
+                        <a:t>77%</a:t>
+                      </a:r>
+                    </a:p>
+                  </a:txBody>
+                  <a:tcPr/>
+                </a:tc>
+                <a:extLst>
+                  <a:ext uri="{0D108BD9-81ED-4DB2-BD59-A6C34878D82A}">
+                    <a16:rowId xmlns:a16="http://schemas.microsoft.com/office/drawing/2014/main" val="2021081855"/>
+                  </a:ext>
+                </a:extLst>
+              </a:tr>
+            </a:tbl>
+          </a:graphicData>
+        </a:graphic>
+      </p:graphicFrame>
     </p:spTree>
     <p:extLst>
       <p:ext uri="{BB962C8B-B14F-4D97-AF65-F5344CB8AC3E}">
-        <p14:creationId xmlns:p14="http://schemas.microsoft.com/office/powerpoint/2010/main" val="3752628919"/>
+        <p14:creationId xmlns:p14="http://schemas.microsoft.com/office/powerpoint/2010/main" val="2632695608"/>
       </p:ext>
     </p:extLst>
   </p:cSld>
@@ -12549,90 +12252,14 @@
           <a:p>
             <a:r>
               <a:rPr lang="en-US" dirty="0"/>
-              <a:t>Add a Slide Title - 2</a:t>
+              <a:t>Random Forest Classifier</a:t>
             </a:r>
           </a:p>
         </p:txBody>
       </p:sp>
       <p:sp>
         <p:nvSpPr>
-          <p:cNvPr id="3" name="Text Placeholder 2"/>
-          <p:cNvSpPr>
-            <a:spLocks noGrp="1"/>
-          </p:cNvSpPr>
-          <p:nvPr>
-            <p:ph type="body" idx="1"/>
-          </p:nvPr>
-        </p:nvSpPr>
-        <p:spPr/>
-        <p:txBody>
-          <a:bodyPr/>
-          <a:lstStyle/>
-          <a:p>
-            <a:endParaRPr lang="en-US"/>
-          </a:p>
-        </p:txBody>
-      </p:sp>
-      <p:sp>
-        <p:nvSpPr>
-          <p:cNvPr id="4" name="Content Placeholder 3"/>
-          <p:cNvSpPr>
-            <a:spLocks noGrp="1"/>
-          </p:cNvSpPr>
-          <p:nvPr>
-            <p:ph sz="half" idx="2"/>
-          </p:nvPr>
-        </p:nvSpPr>
-        <p:spPr/>
-        <p:txBody>
-          <a:bodyPr/>
-          <a:lstStyle/>
-          <a:p>
-            <a:endParaRPr lang="en-US"/>
-          </a:p>
-        </p:txBody>
-      </p:sp>
-      <p:sp>
-        <p:nvSpPr>
-          <p:cNvPr id="5" name="Text Placeholder 4"/>
-          <p:cNvSpPr>
-            <a:spLocks noGrp="1"/>
-          </p:cNvSpPr>
-          <p:nvPr>
-            <p:ph type="body" sz="quarter" idx="3"/>
-          </p:nvPr>
-        </p:nvSpPr>
-        <p:spPr/>
-        <p:txBody>
-          <a:bodyPr/>
-          <a:lstStyle/>
-          <a:p>
-            <a:endParaRPr lang="en-US"/>
-          </a:p>
-        </p:txBody>
-      </p:sp>
-      <p:sp>
-        <p:nvSpPr>
-          <p:cNvPr id="6" name="Content Placeholder 5"/>
-          <p:cNvSpPr>
-            <a:spLocks noGrp="1"/>
-          </p:cNvSpPr>
-          <p:nvPr>
-            <p:ph sz="quarter" idx="4"/>
-          </p:nvPr>
-        </p:nvSpPr>
-        <p:spPr/>
-        <p:txBody>
-          <a:bodyPr/>
-          <a:lstStyle/>
-          <a:p>
-            <a:endParaRPr lang="en-US"/>
-          </a:p>
-        </p:txBody>
-      </p:sp>
-      <p:sp>
-        <p:nvSpPr>
-          <p:cNvPr id="7" name="Slide Number Placeholder 6"/>
+          <p:cNvPr id="4" name="Slide Number Placeholder 3"/>
           <p:cNvSpPr>
             <a:spLocks noGrp="1"/>
           </p:cNvSpPr>
@@ -12649,13 +12276,13 @@
               <a:rPr lang="en-US" smtClean="0"/>
               <a:t>7</a:t>
             </a:fld>
-            <a:endParaRPr lang="en-US" dirty="0"/>
+            <a:endParaRPr lang="en-US"/>
           </a:p>
         </p:txBody>
       </p:sp>
       <p:sp>
         <p:nvSpPr>
-          <p:cNvPr id="8" name="Date Placeholder 7"/>
+          <p:cNvPr id="5" name="Date Placeholder 4"/>
           <p:cNvSpPr>
             <a:spLocks noGrp="1"/>
           </p:cNvSpPr>
@@ -12668,7 +12295,7 @@
           <a:bodyPr/>
           <a:lstStyle/>
           <a:p>
-            <a:fld id="{94C81B4D-F060-418E-A958-B2BDC1A258F8}" type="datetime1">
+            <a:fld id="{6DD1B487-36FD-4CED-B07A-1A81FC6540B1}" type="datetime1">
               <a:rPr lang="en-US" smtClean="0"/>
               <a:pPr/>
               <a:t>10/6/2022</a:t>
@@ -12679,7 +12306,7 @@
       </p:sp>
       <p:sp>
         <p:nvSpPr>
-          <p:cNvPr id="9" name="Footer Placeholder 8"/>
+          <p:cNvPr id="6" name="Footer Placeholder 5"/>
           <p:cNvSpPr>
             <a:spLocks noGrp="1"/>
           </p:cNvSpPr>
@@ -12693,30 +12320,312 @@
           <a:lstStyle/>
           <a:p>
             <a:r>
-              <a:rPr lang="en-US"/>
+              <a:rPr lang="en-US">
+                <a:solidFill>
+                  <a:schemeClr val="accent1">
+                    <a:lumMod val="40000"/>
+                    <a:lumOff val="60000"/>
+                  </a:schemeClr>
+                </a:solidFill>
+              </a:rPr>
               <a:t>Add a footer</a:t>
             </a:r>
-            <a:endParaRPr lang="en-US" dirty="0"/>
+            <a:endParaRPr lang="en-US" dirty="0">
+              <a:solidFill>
+                <a:schemeClr val="accent1">
+                  <a:lumMod val="40000"/>
+                  <a:lumOff val="60000"/>
+                </a:schemeClr>
+              </a:solidFill>
+            </a:endParaRPr>
           </a:p>
         </p:txBody>
       </p:sp>
+      <p:graphicFrame>
+        <p:nvGraphicFramePr>
+          <p:cNvPr id="14" name="Table 14">
+            <a:extLst>
+              <a:ext uri="{FF2B5EF4-FFF2-40B4-BE49-F238E27FC236}">
+                <a16:creationId xmlns:a16="http://schemas.microsoft.com/office/drawing/2014/main" id="{B96709C7-8D44-1446-6F5A-150B6C64FB6E}"/>
+              </a:ext>
+            </a:extLst>
+          </p:cNvPr>
+          <p:cNvGraphicFramePr>
+            <a:graphicFrameLocks noGrp="1"/>
+          </p:cNvGraphicFramePr>
+          <p:nvPr>
+            <p:extLst>
+              <p:ext uri="{D42A27DB-BD31-4B8C-83A1-F6EECF244321}">
+                <p14:modId xmlns:p14="http://schemas.microsoft.com/office/powerpoint/2010/main" val="4286031125"/>
+              </p:ext>
+            </p:extLst>
+          </p:nvPr>
+        </p:nvGraphicFramePr>
+        <p:xfrm>
+          <a:off x="6441984" y="1945640"/>
+          <a:ext cx="4339990" cy="1483360"/>
+        </p:xfrm>
+        <a:graphic>
+          <a:graphicData uri="http://schemas.openxmlformats.org/drawingml/2006/table">
+            <a:tbl>
+              <a:tblPr bandRow="1">
+                <a:tableStyleId>{3B4B98B0-60AC-42C2-AFA5-B58CD77FA1E5}</a:tableStyleId>
+              </a:tblPr>
+              <a:tblGrid>
+                <a:gridCol w="2169995">
+                  <a:extLst>
+                    <a:ext uri="{9D8B030D-6E8A-4147-A177-3AD203B41FA5}">
+                      <a16:colId xmlns:a16="http://schemas.microsoft.com/office/drawing/2014/main" val="3742263182"/>
+                    </a:ext>
+                  </a:extLst>
+                </a:gridCol>
+                <a:gridCol w="2169995">
+                  <a:extLst>
+                    <a:ext uri="{9D8B030D-6E8A-4147-A177-3AD203B41FA5}">
+                      <a16:colId xmlns:a16="http://schemas.microsoft.com/office/drawing/2014/main" val="4098073355"/>
+                    </a:ext>
+                  </a:extLst>
+                </a:gridCol>
+              </a:tblGrid>
+              <a:tr h="370840">
+                <a:tc>
+                  <a:txBody>
+                    <a:bodyPr/>
+                    <a:lstStyle/>
+                    <a:p>
+                      <a:pPr marL="0" algn="l" defTabSz="914400" rtl="0" eaLnBrk="1" latinLnBrk="0" hangingPunct="1"/>
+                      <a:r>
+                        <a:rPr lang="en-US" sz="1800" b="0" kern="1200" dirty="0">
+                          <a:solidFill>
+                            <a:schemeClr val="tx1"/>
+                          </a:solidFill>
+                          <a:latin typeface="Avenir Next LT Pro" panose="020B0504020202020204" pitchFamily="34" charset="0"/>
+                          <a:ea typeface="+mn-ea"/>
+                          <a:cs typeface="+mn-cs"/>
+                        </a:rPr>
+                        <a:t>Test </a:t>
+                      </a:r>
+                      <a:r>
+                        <a:rPr lang="en-US" sz="1800" b="0" kern="1200" dirty="0" err="1">
+                          <a:solidFill>
+                            <a:schemeClr val="tx1"/>
+                          </a:solidFill>
+                          <a:latin typeface="Avenir Next LT Pro" panose="020B0504020202020204" pitchFamily="34" charset="0"/>
+                          <a:ea typeface="+mn-ea"/>
+                          <a:cs typeface="+mn-cs"/>
+                        </a:rPr>
+                        <a:t>Acccuracy</a:t>
+                      </a:r>
+                      <a:r>
+                        <a:rPr lang="en-US" sz="1800" b="0" kern="1200" dirty="0">
+                          <a:solidFill>
+                            <a:schemeClr val="tx1"/>
+                          </a:solidFill>
+                          <a:latin typeface="Avenir Next LT Pro" panose="020B0504020202020204" pitchFamily="34" charset="0"/>
+                          <a:ea typeface="+mn-ea"/>
+                          <a:cs typeface="+mn-cs"/>
+                        </a:rPr>
+                        <a:t>:</a:t>
+                      </a:r>
+                    </a:p>
+                  </a:txBody>
+                  <a:tcPr/>
+                </a:tc>
+                <a:tc>
+                  <a:txBody>
+                    <a:bodyPr/>
+                    <a:lstStyle/>
+                    <a:p>
+                      <a:pPr marL="0" algn="l" defTabSz="914400" rtl="0" eaLnBrk="1" latinLnBrk="0" hangingPunct="1"/>
+                      <a:r>
+                        <a:rPr lang="en-US" sz="1800" b="0" kern="1200" dirty="0">
+                          <a:solidFill>
+                            <a:schemeClr val="tx1"/>
+                          </a:solidFill>
+                          <a:latin typeface="Avenir Next LT Pro" panose="020B0504020202020204" pitchFamily="34" charset="0"/>
+                          <a:ea typeface="+mn-ea"/>
+                          <a:cs typeface="+mn-cs"/>
+                        </a:rPr>
+                        <a:t>73.07%</a:t>
+                      </a:r>
+                    </a:p>
+                  </a:txBody>
+                  <a:tcPr/>
+                </a:tc>
+                <a:extLst>
+                  <a:ext uri="{0D108BD9-81ED-4DB2-BD59-A6C34878D82A}">
+                    <a16:rowId xmlns:a16="http://schemas.microsoft.com/office/drawing/2014/main" val="1136888605"/>
+                  </a:ext>
+                </a:extLst>
+              </a:tr>
+              <a:tr h="370840">
+                <a:tc>
+                  <a:txBody>
+                    <a:bodyPr/>
+                    <a:lstStyle/>
+                    <a:p>
+                      <a:r>
+                        <a:rPr lang="en-US" b="0" dirty="0">
+                          <a:latin typeface="Avenir Next LT Pro" panose="020B0504020202020204" pitchFamily="34" charset="0"/>
+                        </a:rPr>
+                        <a:t>Precision:</a:t>
+                      </a:r>
+                    </a:p>
+                  </a:txBody>
+                  <a:tcPr/>
+                </a:tc>
+                <a:tc>
+                  <a:txBody>
+                    <a:bodyPr/>
+                    <a:lstStyle/>
+                    <a:p>
+                      <a:r>
+                        <a:rPr lang="en-US" b="0" dirty="0">
+                          <a:latin typeface="Avenir Next LT Pro" panose="020B0504020202020204" pitchFamily="34" charset="0"/>
+                        </a:rPr>
+                        <a:t>75%</a:t>
+                      </a:r>
+                    </a:p>
+                  </a:txBody>
+                  <a:tcPr/>
+                </a:tc>
+                <a:extLst>
+                  <a:ext uri="{0D108BD9-81ED-4DB2-BD59-A6C34878D82A}">
+                    <a16:rowId xmlns:a16="http://schemas.microsoft.com/office/drawing/2014/main" val="3402751990"/>
+                  </a:ext>
+                </a:extLst>
+              </a:tr>
+              <a:tr h="370840">
+                <a:tc>
+                  <a:txBody>
+                    <a:bodyPr/>
+                    <a:lstStyle/>
+                    <a:p>
+                      <a:r>
+                        <a:rPr lang="en-US" b="0" dirty="0">
+                          <a:latin typeface="Avenir Next LT Pro" panose="020B0504020202020204" pitchFamily="34" charset="0"/>
+                        </a:rPr>
+                        <a:t>Recall:</a:t>
+                      </a:r>
+                    </a:p>
+                  </a:txBody>
+                  <a:tcPr/>
+                </a:tc>
+                <a:tc>
+                  <a:txBody>
+                    <a:bodyPr/>
+                    <a:lstStyle/>
+                    <a:p>
+                      <a:r>
+                        <a:rPr lang="en-US" b="0" dirty="0">
+                          <a:latin typeface="Avenir Next LT Pro" panose="020B0504020202020204" pitchFamily="34" charset="0"/>
+                        </a:rPr>
+                        <a:t>73%</a:t>
+                      </a:r>
+                    </a:p>
+                  </a:txBody>
+                  <a:tcPr/>
+                </a:tc>
+                <a:extLst>
+                  <a:ext uri="{0D108BD9-81ED-4DB2-BD59-A6C34878D82A}">
+                    <a16:rowId xmlns:a16="http://schemas.microsoft.com/office/drawing/2014/main" val="4088692616"/>
+                  </a:ext>
+                </a:extLst>
+              </a:tr>
+              <a:tr h="370840">
+                <a:tc>
+                  <a:txBody>
+                    <a:bodyPr/>
+                    <a:lstStyle/>
+                    <a:p>
+                      <a:r>
+                        <a:rPr lang="en-US" b="0" dirty="0">
+                          <a:latin typeface="Avenir Next LT Pro" panose="020B0504020202020204" pitchFamily="34" charset="0"/>
+                        </a:rPr>
+                        <a:t>F1-Score:</a:t>
+                      </a:r>
+                    </a:p>
+                  </a:txBody>
+                  <a:tcPr/>
+                </a:tc>
+                <a:tc>
+                  <a:txBody>
+                    <a:bodyPr/>
+                    <a:lstStyle/>
+                    <a:p>
+                      <a:r>
+                        <a:rPr lang="en-US" b="0" dirty="0">
+                          <a:latin typeface="Avenir Next LT Pro" panose="020B0504020202020204" pitchFamily="34" charset="0"/>
+                        </a:rPr>
+                        <a:t>72%</a:t>
+                      </a:r>
+                    </a:p>
+                  </a:txBody>
+                  <a:tcPr/>
+                </a:tc>
+                <a:extLst>
+                  <a:ext uri="{0D108BD9-81ED-4DB2-BD59-A6C34878D82A}">
+                    <a16:rowId xmlns:a16="http://schemas.microsoft.com/office/drawing/2014/main" val="2021081855"/>
+                  </a:ext>
+                </a:extLst>
+              </a:tr>
+            </a:tbl>
+          </a:graphicData>
+        </a:graphic>
+      </p:graphicFrame>
+      <p:pic>
+        <p:nvPicPr>
+          <p:cNvPr id="7" name="Picture 6" descr="Chart, treemap chart&#10;&#10;Description automatically generated">
+            <a:extLst>
+              <a:ext uri="{FF2B5EF4-FFF2-40B4-BE49-F238E27FC236}">
+                <a16:creationId xmlns:a16="http://schemas.microsoft.com/office/drawing/2014/main" id="{D726944A-35A3-33D0-04AA-34320EBD0111}"/>
+              </a:ext>
+            </a:extLst>
+          </p:cNvPr>
+          <p:cNvPicPr>
+            <a:picLocks noChangeAspect="1"/>
+          </p:cNvPicPr>
+          <p:nvPr/>
+        </p:nvPicPr>
+        <p:blipFill>
+          <a:blip r:embed="rId2">
+            <a:extLst>
+              <a:ext uri="{28A0092B-C50C-407E-A947-70E740481C1C}">
+                <a14:useLocalDpi xmlns:a14="http://schemas.microsoft.com/office/drawing/2010/main" val="0"/>
+              </a:ext>
+            </a:extLst>
+          </a:blip>
+          <a:stretch>
+            <a:fillRect/>
+          </a:stretch>
+        </p:blipFill>
+        <p:spPr>
+          <a:xfrm>
+            <a:off x="1318983" y="1640852"/>
+            <a:ext cx="4787408" cy="4637541"/>
+          </a:xfrm>
+          <a:prstGeom prst="rect">
+            <a:avLst/>
+          </a:prstGeom>
+        </p:spPr>
+      </p:pic>
     </p:spTree>
     <p:extLst>
       <p:ext uri="{BB962C8B-B14F-4D97-AF65-F5344CB8AC3E}">
-        <p14:creationId xmlns:p14="http://schemas.microsoft.com/office/powerpoint/2010/main" val="2788333131"/>
+        <p14:creationId xmlns:p14="http://schemas.microsoft.com/office/powerpoint/2010/main" val="3861669107"/>
       </p:ext>
     </p:extLst>
   </p:cSld>
   <p:clrMapOvr>
     <a:masterClrMapping/>
   </p:clrMapOvr>
-  <mc:AlternateContent xmlns:mc="http://schemas.openxmlformats.org/markup-compatibility/2006" xmlns:p14="http://schemas.microsoft.com/office/powerpoint/2010/main">
-    <mc:Choice Requires="p14">
+  <mc:AlternateContent xmlns:mc="http://schemas.openxmlformats.org/markup-compatibility/2006">
+    <mc:Choice xmlns:p14="http://schemas.microsoft.com/office/powerpoint/2010/main" Requires="p14">
       <p:transition spd="med" p14:dur="700">
         <p:fade/>
       </p:transition>
     </mc:Choice>
-    <mc:Fallback xmlns="">
+    <mc:Fallback>
       <p:transition spd="med">
         <p:fade/>
       </p:transition>
@@ -12742,6 +12651,42 @@
           <a:chExt cx="0" cy="0"/>
         </a:xfrm>
       </p:grpSpPr>
+      <p:pic>
+        <p:nvPicPr>
+          <p:cNvPr id="8" name="Picture 7" descr="Chart, treemap chart&#10;&#10;Description automatically generated">
+            <a:extLst>
+              <a:ext uri="{FF2B5EF4-FFF2-40B4-BE49-F238E27FC236}">
+                <a16:creationId xmlns:a16="http://schemas.microsoft.com/office/drawing/2014/main" id="{E79767F1-850E-F745-A75F-2EBA7B63BD87}"/>
+              </a:ext>
+            </a:extLst>
+          </p:cNvPr>
+          <p:cNvPicPr>
+            <a:picLocks noChangeAspect="1"/>
+          </p:cNvPicPr>
+          <p:nvPr/>
+        </p:nvPicPr>
+        <p:blipFill>
+          <a:blip r:embed="rId2">
+            <a:extLst>
+              <a:ext uri="{28A0092B-C50C-407E-A947-70E740481C1C}">
+                <a14:useLocalDpi xmlns:a14="http://schemas.microsoft.com/office/drawing/2010/main" val="0"/>
+              </a:ext>
+            </a:extLst>
+          </a:blip>
+          <a:stretch>
+            <a:fillRect/>
+          </a:stretch>
+        </p:blipFill>
+        <p:spPr>
+          <a:xfrm>
+            <a:off x="1305129" y="1640852"/>
+            <a:ext cx="4787407" cy="4637541"/>
+          </a:xfrm>
+          <a:prstGeom prst="rect">
+            <a:avLst/>
+          </a:prstGeom>
+        </p:spPr>
+      </p:pic>
       <p:sp>
         <p:nvSpPr>
           <p:cNvPr id="2" name="Title 1"/>
@@ -12759,14 +12704,14 @@
           <a:p>
             <a:r>
               <a:rPr lang="en-US" dirty="0"/>
-              <a:t>Add a Slide Title - 3</a:t>
+              <a:t>Random Forest Classifier with Random Search</a:t>
             </a:r>
           </a:p>
         </p:txBody>
       </p:sp>
       <p:sp>
         <p:nvSpPr>
-          <p:cNvPr id="3" name="Slide Number Placeholder 2"/>
+          <p:cNvPr id="4" name="Slide Number Placeholder 3"/>
           <p:cNvSpPr>
             <a:spLocks noGrp="1"/>
           </p:cNvSpPr>
@@ -12789,7 +12734,7 @@
       </p:sp>
       <p:sp>
         <p:nvSpPr>
-          <p:cNvPr id="4" name="Date Placeholder 3"/>
+          <p:cNvPr id="5" name="Date Placeholder 4"/>
           <p:cNvSpPr>
             <a:spLocks noGrp="1"/>
           </p:cNvSpPr>
@@ -12802,7 +12747,7 @@
           <a:bodyPr/>
           <a:lstStyle/>
           <a:p>
-            <a:fld id="{9386AC23-C97B-41FB-9B89-C7FE0FB631CA}" type="datetime1">
+            <a:fld id="{6DD1B487-36FD-4CED-B07A-1A81FC6540B1}" type="datetime1">
               <a:rPr lang="en-US" smtClean="0"/>
               <a:pPr/>
               <a:t>10/6/2022</a:t>
@@ -12813,7 +12758,7 @@
       </p:sp>
       <p:sp>
         <p:nvSpPr>
-          <p:cNvPr id="5" name="Footer Placeholder 4"/>
+          <p:cNvPr id="6" name="Footer Placeholder 5"/>
           <p:cNvSpPr>
             <a:spLocks noGrp="1"/>
           </p:cNvSpPr>
@@ -12827,30 +12772,276 @@
           <a:lstStyle/>
           <a:p>
             <a:r>
-              <a:rPr lang="en-US"/>
+              <a:rPr lang="en-US">
+                <a:solidFill>
+                  <a:schemeClr val="accent1">
+                    <a:lumMod val="40000"/>
+                    <a:lumOff val="60000"/>
+                  </a:schemeClr>
+                </a:solidFill>
+              </a:rPr>
               <a:t>Add a footer</a:t>
             </a:r>
-            <a:endParaRPr lang="en-US" dirty="0"/>
+            <a:endParaRPr lang="en-US" dirty="0">
+              <a:solidFill>
+                <a:schemeClr val="accent1">
+                  <a:lumMod val="40000"/>
+                  <a:lumOff val="60000"/>
+                </a:schemeClr>
+              </a:solidFill>
+            </a:endParaRPr>
           </a:p>
         </p:txBody>
       </p:sp>
+      <p:graphicFrame>
+        <p:nvGraphicFramePr>
+          <p:cNvPr id="14" name="Table 14">
+            <a:extLst>
+              <a:ext uri="{FF2B5EF4-FFF2-40B4-BE49-F238E27FC236}">
+                <a16:creationId xmlns:a16="http://schemas.microsoft.com/office/drawing/2014/main" id="{B96709C7-8D44-1446-6F5A-150B6C64FB6E}"/>
+              </a:ext>
+            </a:extLst>
+          </p:cNvPr>
+          <p:cNvGraphicFramePr>
+            <a:graphicFrameLocks noGrp="1"/>
+          </p:cNvGraphicFramePr>
+          <p:nvPr>
+            <p:extLst>
+              <p:ext uri="{D42A27DB-BD31-4B8C-83A1-F6EECF244321}">
+                <p14:modId xmlns:p14="http://schemas.microsoft.com/office/powerpoint/2010/main" val="2390731194"/>
+              </p:ext>
+            </p:extLst>
+          </p:nvPr>
+        </p:nvGraphicFramePr>
+        <p:xfrm>
+          <a:off x="6441984" y="1945640"/>
+          <a:ext cx="4339990" cy="1483360"/>
+        </p:xfrm>
+        <a:graphic>
+          <a:graphicData uri="http://schemas.openxmlformats.org/drawingml/2006/table">
+            <a:tbl>
+              <a:tblPr bandRow="1">
+                <a:tableStyleId>{3B4B98B0-60AC-42C2-AFA5-B58CD77FA1E5}</a:tableStyleId>
+              </a:tblPr>
+              <a:tblGrid>
+                <a:gridCol w="2169995">
+                  <a:extLst>
+                    <a:ext uri="{9D8B030D-6E8A-4147-A177-3AD203B41FA5}">
+                      <a16:colId xmlns:a16="http://schemas.microsoft.com/office/drawing/2014/main" val="3742263182"/>
+                    </a:ext>
+                  </a:extLst>
+                </a:gridCol>
+                <a:gridCol w="2169995">
+                  <a:extLst>
+                    <a:ext uri="{9D8B030D-6E8A-4147-A177-3AD203B41FA5}">
+                      <a16:colId xmlns:a16="http://schemas.microsoft.com/office/drawing/2014/main" val="4098073355"/>
+                    </a:ext>
+                  </a:extLst>
+                </a:gridCol>
+              </a:tblGrid>
+              <a:tr h="370840">
+                <a:tc>
+                  <a:txBody>
+                    <a:bodyPr/>
+                    <a:lstStyle/>
+                    <a:p>
+                      <a:pPr marL="0" algn="l" defTabSz="914400" rtl="0" eaLnBrk="1" latinLnBrk="0" hangingPunct="1"/>
+                      <a:r>
+                        <a:rPr lang="en-US" sz="1800" b="0" kern="1200" dirty="0">
+                          <a:solidFill>
+                            <a:schemeClr val="tx1"/>
+                          </a:solidFill>
+                          <a:latin typeface="Avenir Next LT Pro" panose="020B0504020202020204" pitchFamily="34" charset="0"/>
+                          <a:ea typeface="+mn-ea"/>
+                          <a:cs typeface="+mn-cs"/>
+                        </a:rPr>
+                        <a:t>Test </a:t>
+                      </a:r>
+                      <a:r>
+                        <a:rPr lang="en-US" sz="1800" b="0" kern="1200" dirty="0" err="1">
+                          <a:solidFill>
+                            <a:schemeClr val="tx1"/>
+                          </a:solidFill>
+                          <a:latin typeface="Avenir Next LT Pro" panose="020B0504020202020204" pitchFamily="34" charset="0"/>
+                          <a:ea typeface="+mn-ea"/>
+                          <a:cs typeface="+mn-cs"/>
+                        </a:rPr>
+                        <a:t>Acccuracy</a:t>
+                      </a:r>
+                      <a:r>
+                        <a:rPr lang="en-US" sz="1800" b="0" kern="1200" dirty="0">
+                          <a:solidFill>
+                            <a:schemeClr val="tx1"/>
+                          </a:solidFill>
+                          <a:latin typeface="Avenir Next LT Pro" panose="020B0504020202020204" pitchFamily="34" charset="0"/>
+                          <a:ea typeface="+mn-ea"/>
+                          <a:cs typeface="+mn-cs"/>
+                        </a:rPr>
+                        <a:t>:</a:t>
+                      </a:r>
+                    </a:p>
+                  </a:txBody>
+                  <a:tcPr/>
+                </a:tc>
+                <a:tc>
+                  <a:txBody>
+                    <a:bodyPr/>
+                    <a:lstStyle/>
+                    <a:p>
+                      <a:pPr marL="0" algn="l" defTabSz="914400" rtl="0" eaLnBrk="1" latinLnBrk="0" hangingPunct="1"/>
+                      <a:r>
+                        <a:rPr lang="en-US" sz="1800" b="0" kern="1200" dirty="0">
+                          <a:solidFill>
+                            <a:schemeClr val="tx1"/>
+                          </a:solidFill>
+                          <a:latin typeface="Avenir Next LT Pro" panose="020B0504020202020204" pitchFamily="34" charset="0"/>
+                          <a:ea typeface="+mn-ea"/>
+                          <a:cs typeface="+mn-cs"/>
+                        </a:rPr>
+                        <a:t>75.28%</a:t>
+                      </a:r>
+                    </a:p>
+                  </a:txBody>
+                  <a:tcPr/>
+                </a:tc>
+                <a:extLst>
+                  <a:ext uri="{0D108BD9-81ED-4DB2-BD59-A6C34878D82A}">
+                    <a16:rowId xmlns:a16="http://schemas.microsoft.com/office/drawing/2014/main" val="1136888605"/>
+                  </a:ext>
+                </a:extLst>
+              </a:tr>
+              <a:tr h="370840">
+                <a:tc>
+                  <a:txBody>
+                    <a:bodyPr/>
+                    <a:lstStyle/>
+                    <a:p>
+                      <a:r>
+                        <a:rPr lang="en-US" b="0" dirty="0">
+                          <a:latin typeface="Avenir Next LT Pro" panose="020B0504020202020204" pitchFamily="34" charset="0"/>
+                        </a:rPr>
+                        <a:t>Precision:</a:t>
+                      </a:r>
+                    </a:p>
+                  </a:txBody>
+                  <a:tcPr/>
+                </a:tc>
+                <a:tc>
+                  <a:txBody>
+                    <a:bodyPr/>
+                    <a:lstStyle/>
+                    <a:p>
+                      <a:r>
+                        <a:rPr lang="en-US" b="0" dirty="0">
+                          <a:latin typeface="Avenir Next LT Pro" panose="020B0504020202020204" pitchFamily="34" charset="0"/>
+                        </a:rPr>
+                        <a:t>77%</a:t>
+                      </a:r>
+                    </a:p>
+                  </a:txBody>
+                  <a:tcPr/>
+                </a:tc>
+                <a:extLst>
+                  <a:ext uri="{0D108BD9-81ED-4DB2-BD59-A6C34878D82A}">
+                    <a16:rowId xmlns:a16="http://schemas.microsoft.com/office/drawing/2014/main" val="3402751990"/>
+                  </a:ext>
+                </a:extLst>
+              </a:tr>
+              <a:tr h="370840">
+                <a:tc>
+                  <a:txBody>
+                    <a:bodyPr/>
+                    <a:lstStyle/>
+                    <a:p>
+                      <a:r>
+                        <a:rPr lang="en-US" b="0" dirty="0">
+                          <a:latin typeface="Avenir Next LT Pro" panose="020B0504020202020204" pitchFamily="34" charset="0"/>
+                        </a:rPr>
+                        <a:t>Recall:</a:t>
+                      </a:r>
+                    </a:p>
+                  </a:txBody>
+                  <a:tcPr/>
+                </a:tc>
+                <a:tc>
+                  <a:txBody>
+                    <a:bodyPr/>
+                    <a:lstStyle/>
+                    <a:p>
+                      <a:r>
+                        <a:rPr lang="en-US" b="0" dirty="0">
+                          <a:latin typeface="Avenir Next LT Pro" panose="020B0504020202020204" pitchFamily="34" charset="0"/>
+                        </a:rPr>
+                        <a:t>77%</a:t>
+                      </a:r>
+                    </a:p>
+                  </a:txBody>
+                  <a:tcPr/>
+                </a:tc>
+                <a:extLst>
+                  <a:ext uri="{0D108BD9-81ED-4DB2-BD59-A6C34878D82A}">
+                    <a16:rowId xmlns:a16="http://schemas.microsoft.com/office/drawing/2014/main" val="4088692616"/>
+                  </a:ext>
+                </a:extLst>
+              </a:tr>
+              <a:tr h="370840">
+                <a:tc>
+                  <a:txBody>
+                    <a:bodyPr/>
+                    <a:lstStyle/>
+                    <a:p>
+                      <a:r>
+                        <a:rPr lang="en-US" b="0" dirty="0">
+                          <a:latin typeface="Avenir Next LT Pro" panose="020B0504020202020204" pitchFamily="34" charset="0"/>
+                        </a:rPr>
+                        <a:t>F1-Score:</a:t>
+                      </a:r>
+                    </a:p>
+                  </a:txBody>
+                  <a:tcPr/>
+                </a:tc>
+                <a:tc>
+                  <a:txBody>
+                    <a:bodyPr/>
+                    <a:lstStyle/>
+                    <a:p>
+                      <a:r>
+                        <a:rPr lang="en-US" b="0" dirty="0">
+                          <a:latin typeface="Avenir Next LT Pro" panose="020B0504020202020204" pitchFamily="34" charset="0"/>
+                        </a:rPr>
+                        <a:t>77%</a:t>
+                      </a:r>
+                    </a:p>
+                  </a:txBody>
+                  <a:tcPr/>
+                </a:tc>
+                <a:extLst>
+                  <a:ext uri="{0D108BD9-81ED-4DB2-BD59-A6C34878D82A}">
+                    <a16:rowId xmlns:a16="http://schemas.microsoft.com/office/drawing/2014/main" val="2021081855"/>
+                  </a:ext>
+                </a:extLst>
+              </a:tr>
+            </a:tbl>
+          </a:graphicData>
+        </a:graphic>
+      </p:graphicFrame>
     </p:spTree>
     <p:extLst>
       <p:ext uri="{BB962C8B-B14F-4D97-AF65-F5344CB8AC3E}">
-        <p14:creationId xmlns:p14="http://schemas.microsoft.com/office/powerpoint/2010/main" val="1332294091"/>
+        <p14:creationId xmlns:p14="http://schemas.microsoft.com/office/powerpoint/2010/main" val="3230807223"/>
       </p:ext>
     </p:extLst>
   </p:cSld>
   <p:clrMapOvr>
     <a:masterClrMapping/>
   </p:clrMapOvr>
-  <mc:AlternateContent xmlns:mc="http://schemas.openxmlformats.org/markup-compatibility/2006" xmlns:p14="http://schemas.microsoft.com/office/powerpoint/2010/main">
-    <mc:Choice Requires="p14">
+  <mc:AlternateContent xmlns:mc="http://schemas.openxmlformats.org/markup-compatibility/2006">
+    <mc:Choice xmlns:p14="http://schemas.microsoft.com/office/powerpoint/2010/main" Requires="p14">
       <p:transition spd="med" p14:dur="700">
         <p:fade/>
       </p:transition>
     </mc:Choice>
-    <mc:Fallback xmlns="">
+    <mc:Fallback>
       <p:transition spd="med">
         <p:fade/>
       </p:transition>
@@ -12876,9 +13067,67 @@
           <a:chExt cx="0" cy="0"/>
         </a:xfrm>
       </p:grpSpPr>
+      <p:pic>
+        <p:nvPicPr>
+          <p:cNvPr id="8" name="Picture 7" descr="Chart, treemap chart&#10;&#10;Description automatically generated">
+            <a:extLst>
+              <a:ext uri="{FF2B5EF4-FFF2-40B4-BE49-F238E27FC236}">
+                <a16:creationId xmlns:a16="http://schemas.microsoft.com/office/drawing/2014/main" id="{E79767F1-850E-F745-A75F-2EBA7B63BD87}"/>
+              </a:ext>
+            </a:extLst>
+          </p:cNvPr>
+          <p:cNvPicPr>
+            <a:picLocks noChangeAspect="1"/>
+          </p:cNvPicPr>
+          <p:nvPr/>
+        </p:nvPicPr>
+        <p:blipFill>
+          <a:blip r:embed="rId2">
+            <a:extLst>
+              <a:ext uri="{28A0092B-C50C-407E-A947-70E740481C1C}">
+                <a14:useLocalDpi xmlns:a14="http://schemas.microsoft.com/office/drawing/2010/main" val="0"/>
+              </a:ext>
+            </a:extLst>
+          </a:blip>
+          <a:stretch>
+            <a:fillRect/>
+          </a:stretch>
+        </p:blipFill>
+        <p:spPr>
+          <a:xfrm>
+            <a:off x="1305129" y="1640852"/>
+            <a:ext cx="4787407" cy="4637541"/>
+          </a:xfrm>
+          <a:prstGeom prst="rect">
+            <a:avLst/>
+          </a:prstGeom>
+        </p:spPr>
+      </p:pic>
       <p:sp>
         <p:nvSpPr>
-          <p:cNvPr id="2" name="Slide Number Placeholder 1"/>
+          <p:cNvPr id="2" name="Title 1"/>
+          <p:cNvSpPr>
+            <a:spLocks noGrp="1"/>
+          </p:cNvSpPr>
+          <p:nvPr>
+            <p:ph type="title"/>
+          </p:nvPr>
+        </p:nvSpPr>
+        <p:spPr/>
+        <p:txBody>
+          <a:bodyPr/>
+          <a:lstStyle/>
+          <a:p>
+            <a:r>
+              <a:rPr lang="en-US" dirty="0"/>
+              <a:t>Gradient Boosting Classifier</a:t>
+            </a:r>
+          </a:p>
+        </p:txBody>
+      </p:sp>
+      <p:sp>
+        <p:nvSpPr>
+          <p:cNvPr id="4" name="Slide Number Placeholder 3"/>
           <p:cNvSpPr>
             <a:spLocks noGrp="1"/>
           </p:cNvSpPr>
@@ -12901,7 +13150,7 @@
       </p:sp>
       <p:sp>
         <p:nvSpPr>
-          <p:cNvPr id="3" name="Date Placeholder 2"/>
+          <p:cNvPr id="5" name="Date Placeholder 4"/>
           <p:cNvSpPr>
             <a:spLocks noGrp="1"/>
           </p:cNvSpPr>
@@ -12914,7 +13163,7 @@
           <a:bodyPr/>
           <a:lstStyle/>
           <a:p>
-            <a:fld id="{C81B9673-AC7F-4F1F-84E4-F0E5EAAE106D}" type="datetime1">
+            <a:fld id="{6DD1B487-36FD-4CED-B07A-1A81FC6540B1}" type="datetime1">
               <a:rPr lang="en-US" smtClean="0"/>
               <a:pPr/>
               <a:t>10/6/2022</a:t>
@@ -12925,7 +13174,7 @@
       </p:sp>
       <p:sp>
         <p:nvSpPr>
-          <p:cNvPr id="4" name="Footer Placeholder 3"/>
+          <p:cNvPr id="6" name="Footer Placeholder 5"/>
           <p:cNvSpPr>
             <a:spLocks noGrp="1"/>
           </p:cNvSpPr>
@@ -12939,30 +13188,276 @@
           <a:lstStyle/>
           <a:p>
             <a:r>
-              <a:rPr lang="en-US"/>
+              <a:rPr lang="en-US">
+                <a:solidFill>
+                  <a:schemeClr val="accent1">
+                    <a:lumMod val="40000"/>
+                    <a:lumOff val="60000"/>
+                  </a:schemeClr>
+                </a:solidFill>
+              </a:rPr>
               <a:t>Add a footer</a:t>
             </a:r>
-            <a:endParaRPr lang="en-US" dirty="0"/>
+            <a:endParaRPr lang="en-US" dirty="0">
+              <a:solidFill>
+                <a:schemeClr val="accent1">
+                  <a:lumMod val="40000"/>
+                  <a:lumOff val="60000"/>
+                </a:schemeClr>
+              </a:solidFill>
+            </a:endParaRPr>
           </a:p>
         </p:txBody>
       </p:sp>
+      <p:graphicFrame>
+        <p:nvGraphicFramePr>
+          <p:cNvPr id="14" name="Table 14">
+            <a:extLst>
+              <a:ext uri="{FF2B5EF4-FFF2-40B4-BE49-F238E27FC236}">
+                <a16:creationId xmlns:a16="http://schemas.microsoft.com/office/drawing/2014/main" id="{B96709C7-8D44-1446-6F5A-150B6C64FB6E}"/>
+              </a:ext>
+            </a:extLst>
+          </p:cNvPr>
+          <p:cNvGraphicFramePr>
+            <a:graphicFrameLocks noGrp="1"/>
+          </p:cNvGraphicFramePr>
+          <p:nvPr>
+            <p:extLst>
+              <p:ext uri="{D42A27DB-BD31-4B8C-83A1-F6EECF244321}">
+                <p14:modId xmlns:p14="http://schemas.microsoft.com/office/powerpoint/2010/main" val="3409489879"/>
+              </p:ext>
+            </p:extLst>
+          </p:nvPr>
+        </p:nvGraphicFramePr>
+        <p:xfrm>
+          <a:off x="6441984" y="1945640"/>
+          <a:ext cx="4339990" cy="1483360"/>
+        </p:xfrm>
+        <a:graphic>
+          <a:graphicData uri="http://schemas.openxmlformats.org/drawingml/2006/table">
+            <a:tbl>
+              <a:tblPr bandRow="1">
+                <a:tableStyleId>{3B4B98B0-60AC-42C2-AFA5-B58CD77FA1E5}</a:tableStyleId>
+              </a:tblPr>
+              <a:tblGrid>
+                <a:gridCol w="2169995">
+                  <a:extLst>
+                    <a:ext uri="{9D8B030D-6E8A-4147-A177-3AD203B41FA5}">
+                      <a16:colId xmlns:a16="http://schemas.microsoft.com/office/drawing/2014/main" val="3742263182"/>
+                    </a:ext>
+                  </a:extLst>
+                </a:gridCol>
+                <a:gridCol w="2169995">
+                  <a:extLst>
+                    <a:ext uri="{9D8B030D-6E8A-4147-A177-3AD203B41FA5}">
+                      <a16:colId xmlns:a16="http://schemas.microsoft.com/office/drawing/2014/main" val="4098073355"/>
+                    </a:ext>
+                  </a:extLst>
+                </a:gridCol>
+              </a:tblGrid>
+              <a:tr h="370840">
+                <a:tc>
+                  <a:txBody>
+                    <a:bodyPr/>
+                    <a:lstStyle/>
+                    <a:p>
+                      <a:pPr marL="0" algn="l" defTabSz="914400" rtl="0" eaLnBrk="1" latinLnBrk="0" hangingPunct="1"/>
+                      <a:r>
+                        <a:rPr lang="en-US" sz="1800" b="0" kern="1200" dirty="0">
+                          <a:solidFill>
+                            <a:schemeClr val="tx1"/>
+                          </a:solidFill>
+                          <a:latin typeface="Avenir Next LT Pro" panose="020B0504020202020204" pitchFamily="34" charset="0"/>
+                          <a:ea typeface="+mn-ea"/>
+                          <a:cs typeface="+mn-cs"/>
+                        </a:rPr>
+                        <a:t>Test </a:t>
+                      </a:r>
+                      <a:r>
+                        <a:rPr lang="en-US" sz="1800" b="0" kern="1200" dirty="0" err="1">
+                          <a:solidFill>
+                            <a:schemeClr val="tx1"/>
+                          </a:solidFill>
+                          <a:latin typeface="Avenir Next LT Pro" panose="020B0504020202020204" pitchFamily="34" charset="0"/>
+                          <a:ea typeface="+mn-ea"/>
+                          <a:cs typeface="+mn-cs"/>
+                        </a:rPr>
+                        <a:t>Acccuracy</a:t>
+                      </a:r>
+                      <a:r>
+                        <a:rPr lang="en-US" sz="1800" b="0" kern="1200" dirty="0">
+                          <a:solidFill>
+                            <a:schemeClr val="tx1"/>
+                          </a:solidFill>
+                          <a:latin typeface="Avenir Next LT Pro" panose="020B0504020202020204" pitchFamily="34" charset="0"/>
+                          <a:ea typeface="+mn-ea"/>
+                          <a:cs typeface="+mn-cs"/>
+                        </a:rPr>
+                        <a:t>:</a:t>
+                      </a:r>
+                    </a:p>
+                  </a:txBody>
+                  <a:tcPr/>
+                </a:tc>
+                <a:tc>
+                  <a:txBody>
+                    <a:bodyPr/>
+                    <a:lstStyle/>
+                    <a:p>
+                      <a:pPr marL="0" algn="l" defTabSz="914400" rtl="0" eaLnBrk="1" latinLnBrk="0" hangingPunct="1"/>
+                      <a:r>
+                        <a:rPr lang="en-US" sz="1800" b="0" kern="1200" dirty="0">
+                          <a:solidFill>
+                            <a:schemeClr val="tx1"/>
+                          </a:solidFill>
+                          <a:latin typeface="Avenir Next LT Pro" panose="020B0504020202020204" pitchFamily="34" charset="0"/>
+                          <a:ea typeface="+mn-ea"/>
+                          <a:cs typeface="+mn-cs"/>
+                        </a:rPr>
+                        <a:t>79.17%</a:t>
+                      </a:r>
+                    </a:p>
+                  </a:txBody>
+                  <a:tcPr/>
+                </a:tc>
+                <a:extLst>
+                  <a:ext uri="{0D108BD9-81ED-4DB2-BD59-A6C34878D82A}">
+                    <a16:rowId xmlns:a16="http://schemas.microsoft.com/office/drawing/2014/main" val="1136888605"/>
+                  </a:ext>
+                </a:extLst>
+              </a:tr>
+              <a:tr h="370840">
+                <a:tc>
+                  <a:txBody>
+                    <a:bodyPr/>
+                    <a:lstStyle/>
+                    <a:p>
+                      <a:r>
+                        <a:rPr lang="en-US" b="0" dirty="0">
+                          <a:latin typeface="Avenir Next LT Pro" panose="020B0504020202020204" pitchFamily="34" charset="0"/>
+                        </a:rPr>
+                        <a:t>Precision:</a:t>
+                      </a:r>
+                    </a:p>
+                  </a:txBody>
+                  <a:tcPr/>
+                </a:tc>
+                <a:tc>
+                  <a:txBody>
+                    <a:bodyPr/>
+                    <a:lstStyle/>
+                    <a:p>
+                      <a:r>
+                        <a:rPr lang="en-US" b="0" dirty="0">
+                          <a:latin typeface="Avenir Next LT Pro" panose="020B0504020202020204" pitchFamily="34" charset="0"/>
+                        </a:rPr>
+                        <a:t>80%</a:t>
+                      </a:r>
+                    </a:p>
+                  </a:txBody>
+                  <a:tcPr/>
+                </a:tc>
+                <a:extLst>
+                  <a:ext uri="{0D108BD9-81ED-4DB2-BD59-A6C34878D82A}">
+                    <a16:rowId xmlns:a16="http://schemas.microsoft.com/office/drawing/2014/main" val="3402751990"/>
+                  </a:ext>
+                </a:extLst>
+              </a:tr>
+              <a:tr h="370840">
+                <a:tc>
+                  <a:txBody>
+                    <a:bodyPr/>
+                    <a:lstStyle/>
+                    <a:p>
+                      <a:r>
+                        <a:rPr lang="en-US" b="0" dirty="0">
+                          <a:latin typeface="Avenir Next LT Pro" panose="020B0504020202020204" pitchFamily="34" charset="0"/>
+                        </a:rPr>
+                        <a:t>Recall:</a:t>
+                      </a:r>
+                    </a:p>
+                  </a:txBody>
+                  <a:tcPr/>
+                </a:tc>
+                <a:tc>
+                  <a:txBody>
+                    <a:bodyPr/>
+                    <a:lstStyle/>
+                    <a:p>
+                      <a:r>
+                        <a:rPr lang="en-US" b="0" dirty="0">
+                          <a:latin typeface="Avenir Next LT Pro" panose="020B0504020202020204" pitchFamily="34" charset="0"/>
+                        </a:rPr>
+                        <a:t>79%</a:t>
+                      </a:r>
+                    </a:p>
+                  </a:txBody>
+                  <a:tcPr/>
+                </a:tc>
+                <a:extLst>
+                  <a:ext uri="{0D108BD9-81ED-4DB2-BD59-A6C34878D82A}">
+                    <a16:rowId xmlns:a16="http://schemas.microsoft.com/office/drawing/2014/main" val="4088692616"/>
+                  </a:ext>
+                </a:extLst>
+              </a:tr>
+              <a:tr h="370840">
+                <a:tc>
+                  <a:txBody>
+                    <a:bodyPr/>
+                    <a:lstStyle/>
+                    <a:p>
+                      <a:r>
+                        <a:rPr lang="en-US" b="0" dirty="0">
+                          <a:latin typeface="Avenir Next LT Pro" panose="020B0504020202020204" pitchFamily="34" charset="0"/>
+                        </a:rPr>
+                        <a:t>F1-Score:</a:t>
+                      </a:r>
+                    </a:p>
+                  </a:txBody>
+                  <a:tcPr/>
+                </a:tc>
+                <a:tc>
+                  <a:txBody>
+                    <a:bodyPr/>
+                    <a:lstStyle/>
+                    <a:p>
+                      <a:r>
+                        <a:rPr lang="en-US" b="0" dirty="0">
+                          <a:latin typeface="Avenir Next LT Pro" panose="020B0504020202020204" pitchFamily="34" charset="0"/>
+                        </a:rPr>
+                        <a:t>79%</a:t>
+                      </a:r>
+                    </a:p>
+                  </a:txBody>
+                  <a:tcPr/>
+                </a:tc>
+                <a:extLst>
+                  <a:ext uri="{0D108BD9-81ED-4DB2-BD59-A6C34878D82A}">
+                    <a16:rowId xmlns:a16="http://schemas.microsoft.com/office/drawing/2014/main" val="2021081855"/>
+                  </a:ext>
+                </a:extLst>
+              </a:tr>
+            </a:tbl>
+          </a:graphicData>
+        </a:graphic>
+      </p:graphicFrame>
     </p:spTree>
     <p:extLst>
       <p:ext uri="{BB962C8B-B14F-4D97-AF65-F5344CB8AC3E}">
-        <p14:creationId xmlns:p14="http://schemas.microsoft.com/office/powerpoint/2010/main" val="109062006"/>
+        <p14:creationId xmlns:p14="http://schemas.microsoft.com/office/powerpoint/2010/main" val="3519098714"/>
       </p:ext>
     </p:extLst>
   </p:cSld>
   <p:clrMapOvr>
     <a:masterClrMapping/>
   </p:clrMapOvr>
-  <mc:AlternateContent xmlns:mc="http://schemas.openxmlformats.org/markup-compatibility/2006" xmlns:p14="http://schemas.microsoft.com/office/powerpoint/2010/main">
-    <mc:Choice Requires="p14">
+  <mc:AlternateContent xmlns:mc="http://schemas.openxmlformats.org/markup-compatibility/2006">
+    <mc:Choice xmlns:p14="http://schemas.microsoft.com/office/powerpoint/2010/main" Requires="p14">
       <p:transition spd="med" p14:dur="700">
         <p:fade/>
       </p:transition>
     </mc:Choice>
-    <mc:Fallback xmlns="">
+    <mc:Fallback>
       <p:transition spd="med">
         <p:fade/>
       </p:transition>
